--- a/final projet PowerPoint.pptx
+++ b/final projet PowerPoint.pptx
@@ -14,6 +14,7 @@
     <p:sldId id="262" r:id="rId8"/>
     <p:sldId id="263" r:id="rId9"/>
     <p:sldId id="264" r:id="rId10"/>
+    <p:sldId id="265" r:id="rId11"/>
   </p:sldIdLst>
   <p:sldSz cx="12192000" cy="6858000"/>
   <p:notesSz cx="6858000" cy="9144000"/>
@@ -130,6 +131,7 @@
           <p14:sldIdLst>
             <p14:sldId id="263"/>
             <p14:sldId id="264"/>
+            <p14:sldId id="265"/>
           </p14:sldIdLst>
         </p14:section>
       </p14:sectionLst>
@@ -655,7 +657,7 @@
           <a:p>
             <a:fld id="{3BAE5101-A4F1-4EE1-990A-CB7B8753B711}" type="datetimeFigureOut">
               <a:rPr lang="fr-FR" smtClean="0"/>
-              <a:t>05/01/2024</a:t>
+              <a:t>06/01/2024</a:t>
             </a:fld>
             <a:endParaRPr lang="fr-FR"/>
           </a:p>
@@ -702,7 +704,7 @@
           <a:p>
             <a:fld id="{515E958A-1602-485E-A019-32232E3EC483}" type="slidenum">
               <a:rPr lang="fr-FR" smtClean="0"/>
-              <a:t>‹N°›</a:t>
+              <a:t>‹#›</a:t>
             </a:fld>
             <a:endParaRPr lang="fr-FR"/>
           </a:p>
@@ -951,7 +953,7 @@
           <a:p>
             <a:fld id="{3BAE5101-A4F1-4EE1-990A-CB7B8753B711}" type="datetimeFigureOut">
               <a:rPr lang="fr-FR" smtClean="0"/>
-              <a:t>05/01/2024</a:t>
+              <a:t>06/01/2024</a:t>
             </a:fld>
             <a:endParaRPr lang="fr-FR"/>
           </a:p>
@@ -993,7 +995,7 @@
           <a:p>
             <a:fld id="{515E958A-1602-485E-A019-32232E3EC483}" type="slidenum">
               <a:rPr lang="fr-FR" smtClean="0"/>
-              <a:t>‹N°›</a:t>
+              <a:t>‹#›</a:t>
             </a:fld>
             <a:endParaRPr lang="fr-FR"/>
           </a:p>
@@ -1199,7 +1201,7 @@
           <a:p>
             <a:fld id="{3BAE5101-A4F1-4EE1-990A-CB7B8753B711}" type="datetimeFigureOut">
               <a:rPr lang="fr-FR" smtClean="0"/>
-              <a:t>05/01/2024</a:t>
+              <a:t>06/01/2024</a:t>
             </a:fld>
             <a:endParaRPr lang="fr-FR"/>
           </a:p>
@@ -1241,7 +1243,7 @@
           <a:p>
             <a:fld id="{515E958A-1602-485E-A019-32232E3EC483}" type="slidenum">
               <a:rPr lang="fr-FR" smtClean="0"/>
-              <a:t>‹N°›</a:t>
+              <a:t>‹#›</a:t>
             </a:fld>
             <a:endParaRPr lang="fr-FR"/>
           </a:p>
@@ -1739,7 +1741,7 @@
           <a:p>
             <a:fld id="{3BAE5101-A4F1-4EE1-990A-CB7B8753B711}" type="datetimeFigureOut">
               <a:rPr lang="fr-FR" smtClean="0"/>
-              <a:t>05/01/2024</a:t>
+              <a:t>06/01/2024</a:t>
             </a:fld>
             <a:endParaRPr lang="fr-FR"/>
           </a:p>
@@ -1781,7 +1783,7 @@
           <a:p>
             <a:fld id="{515E958A-1602-485E-A019-32232E3EC483}" type="slidenum">
               <a:rPr lang="fr-FR" smtClean="0"/>
-              <a:t>‹N°›</a:t>
+              <a:t>‹#›</a:t>
             </a:fld>
             <a:endParaRPr lang="fr-FR"/>
           </a:p>
@@ -1987,7 +1989,7 @@
           <a:p>
             <a:fld id="{3BAE5101-A4F1-4EE1-990A-CB7B8753B711}" type="datetimeFigureOut">
               <a:rPr lang="fr-FR" smtClean="0"/>
-              <a:t>05/01/2024</a:t>
+              <a:t>06/01/2024</a:t>
             </a:fld>
             <a:endParaRPr lang="fr-FR"/>
           </a:p>
@@ -2029,7 +2031,7 @@
           <a:p>
             <a:fld id="{515E958A-1602-485E-A019-32232E3EC483}" type="slidenum">
               <a:rPr lang="fr-FR" smtClean="0"/>
-              <a:t>‹N°›</a:t>
+              <a:t>‹#›</a:t>
             </a:fld>
             <a:endParaRPr lang="fr-FR"/>
           </a:p>
@@ -2519,7 +2521,7 @@
           <a:p>
             <a:fld id="{3BAE5101-A4F1-4EE1-990A-CB7B8753B711}" type="datetimeFigureOut">
               <a:rPr lang="fr-FR" smtClean="0"/>
-              <a:t>05/01/2024</a:t>
+              <a:t>06/01/2024</a:t>
             </a:fld>
             <a:endParaRPr lang="fr-FR"/>
           </a:p>
@@ -2561,7 +2563,7 @@
           <a:p>
             <a:fld id="{515E958A-1602-485E-A019-32232E3EC483}" type="slidenum">
               <a:rPr lang="fr-FR" smtClean="0"/>
-              <a:t>‹N°›</a:t>
+              <a:t>‹#›</a:t>
             </a:fld>
             <a:endParaRPr lang="fr-FR"/>
           </a:p>
@@ -2816,7 +2818,7 @@
           <a:p>
             <a:fld id="{3BAE5101-A4F1-4EE1-990A-CB7B8753B711}" type="datetimeFigureOut">
               <a:rPr lang="fr-FR" smtClean="0"/>
-              <a:t>05/01/2024</a:t>
+              <a:t>06/01/2024</a:t>
             </a:fld>
             <a:endParaRPr lang="fr-FR"/>
           </a:p>
@@ -2858,7 +2860,7 @@
           <a:p>
             <a:fld id="{515E958A-1602-485E-A019-32232E3EC483}" type="slidenum">
               <a:rPr lang="fr-FR" smtClean="0"/>
-              <a:t>‹N°›</a:t>
+              <a:t>‹#›</a:t>
             </a:fld>
             <a:endParaRPr lang="fr-FR"/>
           </a:p>
@@ -2990,7 +2992,7 @@
           <a:p>
             <a:fld id="{3BAE5101-A4F1-4EE1-990A-CB7B8753B711}" type="datetimeFigureOut">
               <a:rPr lang="fr-FR" smtClean="0"/>
-              <a:t>05/01/2024</a:t>
+              <a:t>06/01/2024</a:t>
             </a:fld>
             <a:endParaRPr lang="fr-FR"/>
           </a:p>
@@ -3032,7 +3034,7 @@
           <a:p>
             <a:fld id="{515E958A-1602-485E-A019-32232E3EC483}" type="slidenum">
               <a:rPr lang="fr-FR" smtClean="0"/>
-              <a:t>‹N°›</a:t>
+              <a:t>‹#›</a:t>
             </a:fld>
             <a:endParaRPr lang="fr-FR"/>
           </a:p>
@@ -3170,7 +3172,7 @@
           <a:p>
             <a:fld id="{3BAE5101-A4F1-4EE1-990A-CB7B8753B711}" type="datetimeFigureOut">
               <a:rPr lang="fr-FR" smtClean="0"/>
-              <a:t>05/01/2024</a:t>
+              <a:t>06/01/2024</a:t>
             </a:fld>
             <a:endParaRPr lang="fr-FR"/>
           </a:p>
@@ -3212,7 +3214,7 @@
           <a:p>
             <a:fld id="{515E958A-1602-485E-A019-32232E3EC483}" type="slidenum">
               <a:rPr lang="fr-FR" smtClean="0"/>
-              <a:t>‹N°›</a:t>
+              <a:t>‹#›</a:t>
             </a:fld>
             <a:endParaRPr lang="fr-FR"/>
           </a:p>
@@ -3340,7 +3342,7 @@
           <a:p>
             <a:fld id="{3BAE5101-A4F1-4EE1-990A-CB7B8753B711}" type="datetimeFigureOut">
               <a:rPr lang="fr-FR" smtClean="0"/>
-              <a:t>05/01/2024</a:t>
+              <a:t>06/01/2024</a:t>
             </a:fld>
             <a:endParaRPr lang="fr-FR"/>
           </a:p>
@@ -3387,7 +3389,7 @@
           <a:p>
             <a:fld id="{515E958A-1602-485E-A019-32232E3EC483}" type="slidenum">
               <a:rPr lang="fr-FR" smtClean="0"/>
-              <a:t>‹N°›</a:t>
+              <a:t>‹#›</a:t>
             </a:fld>
             <a:endParaRPr lang="fr-FR"/>
           </a:p>
@@ -3591,7 +3593,7 @@
           <a:p>
             <a:fld id="{3BAE5101-A4F1-4EE1-990A-CB7B8753B711}" type="datetimeFigureOut">
               <a:rPr lang="fr-FR" smtClean="0"/>
-              <a:t>05/01/2024</a:t>
+              <a:t>06/01/2024</a:t>
             </a:fld>
             <a:endParaRPr lang="fr-FR"/>
           </a:p>
@@ -3633,7 +3635,7 @@
           <a:p>
             <a:fld id="{515E958A-1602-485E-A019-32232E3EC483}" type="slidenum">
               <a:rPr lang="fr-FR" smtClean="0"/>
-              <a:t>‹N°›</a:t>
+              <a:t>‹#›</a:t>
             </a:fld>
             <a:endParaRPr lang="fr-FR"/>
           </a:p>
@@ -3888,7 +3890,7 @@
           <a:p>
             <a:fld id="{3BAE5101-A4F1-4EE1-990A-CB7B8753B711}" type="datetimeFigureOut">
               <a:rPr lang="fr-FR" smtClean="0"/>
-              <a:t>05/01/2024</a:t>
+              <a:t>06/01/2024</a:t>
             </a:fld>
             <a:endParaRPr lang="fr-FR"/>
           </a:p>
@@ -3930,7 +3932,7 @@
           <a:p>
             <a:fld id="{515E958A-1602-485E-A019-32232E3EC483}" type="slidenum">
               <a:rPr lang="fr-FR" smtClean="0"/>
-              <a:t>‹N°›</a:t>
+              <a:t>‹#›</a:t>
             </a:fld>
             <a:endParaRPr lang="fr-FR"/>
           </a:p>
@@ -4330,7 +4332,7 @@
           <a:p>
             <a:fld id="{3BAE5101-A4F1-4EE1-990A-CB7B8753B711}" type="datetimeFigureOut">
               <a:rPr lang="fr-FR" smtClean="0"/>
-              <a:t>05/01/2024</a:t>
+              <a:t>06/01/2024</a:t>
             </a:fld>
             <a:endParaRPr lang="fr-FR"/>
           </a:p>
@@ -4372,7 +4374,7 @@
           <a:p>
             <a:fld id="{515E958A-1602-485E-A019-32232E3EC483}" type="slidenum">
               <a:rPr lang="fr-FR" smtClean="0"/>
-              <a:t>‹N°›</a:t>
+              <a:t>‹#›</a:t>
             </a:fld>
             <a:endParaRPr lang="fr-FR"/>
           </a:p>
@@ -4448,7 +4450,7 @@
           <a:p>
             <a:fld id="{3BAE5101-A4F1-4EE1-990A-CB7B8753B711}" type="datetimeFigureOut">
               <a:rPr lang="fr-FR" smtClean="0"/>
-              <a:t>05/01/2024</a:t>
+              <a:t>06/01/2024</a:t>
             </a:fld>
             <a:endParaRPr lang="fr-FR"/>
           </a:p>
@@ -4490,7 +4492,7 @@
           <a:p>
             <a:fld id="{515E958A-1602-485E-A019-32232E3EC483}" type="slidenum">
               <a:rPr lang="fr-FR" smtClean="0"/>
-              <a:t>‹N°›</a:t>
+              <a:t>‹#›</a:t>
             </a:fld>
             <a:endParaRPr lang="fr-FR"/>
           </a:p>
@@ -4543,7 +4545,7 @@
           <a:p>
             <a:fld id="{3BAE5101-A4F1-4EE1-990A-CB7B8753B711}" type="datetimeFigureOut">
               <a:rPr lang="fr-FR" smtClean="0"/>
-              <a:t>05/01/2024</a:t>
+              <a:t>06/01/2024</a:t>
             </a:fld>
             <a:endParaRPr lang="fr-FR"/>
           </a:p>
@@ -4585,7 +4587,7 @@
           <a:p>
             <a:fld id="{515E958A-1602-485E-A019-32232E3EC483}" type="slidenum">
               <a:rPr lang="fr-FR" smtClean="0"/>
-              <a:t>‹N°›</a:t>
+              <a:t>‹#›</a:t>
             </a:fld>
             <a:endParaRPr lang="fr-FR"/>
           </a:p>
@@ -4826,7 +4828,7 @@
           <a:p>
             <a:fld id="{3BAE5101-A4F1-4EE1-990A-CB7B8753B711}" type="datetimeFigureOut">
               <a:rPr lang="fr-FR" smtClean="0"/>
-              <a:t>05/01/2024</a:t>
+              <a:t>06/01/2024</a:t>
             </a:fld>
             <a:endParaRPr lang="fr-FR"/>
           </a:p>
@@ -4868,7 +4870,7 @@
           <a:p>
             <a:fld id="{515E958A-1602-485E-A019-32232E3EC483}" type="slidenum">
               <a:rPr lang="fr-FR" smtClean="0"/>
-              <a:t>‹N°›</a:t>
+              <a:t>‹#›</a:t>
             </a:fld>
             <a:endParaRPr lang="fr-FR"/>
           </a:p>
@@ -5117,7 +5119,7 @@
           <a:p>
             <a:fld id="{3BAE5101-A4F1-4EE1-990A-CB7B8753B711}" type="datetimeFigureOut">
               <a:rPr lang="fr-FR" smtClean="0"/>
-              <a:t>05/01/2024</a:t>
+              <a:t>06/01/2024</a:t>
             </a:fld>
             <a:endParaRPr lang="fr-FR"/>
           </a:p>
@@ -5159,7 +5161,7 @@
           <a:p>
             <a:fld id="{515E958A-1602-485E-A019-32232E3EC483}" type="slidenum">
               <a:rPr lang="fr-FR" smtClean="0"/>
-              <a:t>‹N°›</a:t>
+              <a:t>‹#›</a:t>
             </a:fld>
             <a:endParaRPr lang="fr-FR"/>
           </a:p>
@@ -5647,7 +5649,7 @@
           <a:p>
             <a:fld id="{3BAE5101-A4F1-4EE1-990A-CB7B8753B711}" type="datetimeFigureOut">
               <a:rPr lang="fr-FR" smtClean="0"/>
-              <a:t>05/01/2024</a:t>
+              <a:t>06/01/2024</a:t>
             </a:fld>
             <a:endParaRPr lang="fr-FR"/>
           </a:p>
@@ -5725,7 +5727,7 @@
           <a:p>
             <a:fld id="{515E958A-1602-485E-A019-32232E3EC483}" type="slidenum">
               <a:rPr lang="fr-FR" smtClean="0"/>
-              <a:t>‹N°›</a:t>
+              <a:t>‹#›</a:t>
             </a:fld>
             <a:endParaRPr lang="fr-FR"/>
           </a:p>
@@ -6183,7 +6185,7 @@
           <p:cNvPr id="2" name="Title 1">
             <a:extLst>
               <a:ext uri="{FF2B5EF4-FFF2-40B4-BE49-F238E27FC236}">
-                <a16:creationId xmlns:a16="http://schemas.microsoft.com/office/drawing/2014/main" xmlns="" id="{9E1BA2AD-6F64-4C00-ACA7-7B87273CF747}"/>
+                <a16:creationId xmlns:a16="http://schemas.microsoft.com/office/drawing/2014/main" id="{9E1BA2AD-6F64-4C00-ACA7-7B87273CF747}"/>
               </a:ext>
             </a:extLst>
           </p:cNvPr>
@@ -6224,7 +6226,7 @@
           <p:cNvPr id="3" name="Subtitle 2">
             <a:extLst>
               <a:ext uri="{FF2B5EF4-FFF2-40B4-BE49-F238E27FC236}">
-                <a16:creationId xmlns:a16="http://schemas.microsoft.com/office/drawing/2014/main" xmlns="" id="{1BD3CD9C-147D-491D-9D78-65EE01C51A93}"/>
+                <a16:creationId xmlns:a16="http://schemas.microsoft.com/office/drawing/2014/main" id="{1BD3CD9C-147D-491D-9D78-65EE01C51A93}"/>
               </a:ext>
             </a:extLst>
           </p:cNvPr>
@@ -6272,6 +6274,1415 @@
     <p:extLst>
       <p:ext uri="{BB962C8B-B14F-4D97-AF65-F5344CB8AC3E}">
         <p14:creationId xmlns:p14="http://schemas.microsoft.com/office/powerpoint/2010/main" val="3090887806"/>
+      </p:ext>
+    </p:extLst>
+  </p:cSld>
+  <p:clrMapOvr>
+    <a:masterClrMapping/>
+  </p:clrMapOvr>
+</p:sld>
+</file>
+
+<file path=ppt/slides/slide10.xml><?xml version="1.0" encoding="utf-8"?>
+<p:sld xmlns:a="http://schemas.openxmlformats.org/drawingml/2006/main" xmlns:r="http://schemas.openxmlformats.org/officeDocument/2006/relationships" xmlns:p="http://schemas.openxmlformats.org/presentationml/2006/main">
+  <p:cSld>
+    <p:spTree>
+      <p:nvGrpSpPr>
+        <p:cNvPr id="1" name=""/>
+        <p:cNvGrpSpPr/>
+        <p:nvPr/>
+      </p:nvGrpSpPr>
+      <p:grpSpPr>
+        <a:xfrm>
+          <a:off x="0" y="0"/>
+          <a:ext cx="0" cy="0"/>
+          <a:chOff x="0" y="0"/>
+          <a:chExt cx="0" cy="0"/>
+        </a:xfrm>
+      </p:grpSpPr>
+      <p:graphicFrame>
+        <p:nvGraphicFramePr>
+          <p:cNvPr id="2" name="Table 2">
+            <a:extLst>
+              <a:ext uri="{FF2B5EF4-FFF2-40B4-BE49-F238E27FC236}">
+                <a16:creationId xmlns:a16="http://schemas.microsoft.com/office/drawing/2014/main" id="{300576FB-ECEA-42DA-B272-B0AEEC22B5AA}"/>
+              </a:ext>
+            </a:extLst>
+          </p:cNvPr>
+          <p:cNvGraphicFramePr>
+            <a:graphicFrameLocks noGrp="1"/>
+          </p:cNvGraphicFramePr>
+          <p:nvPr>
+            <p:extLst>
+              <p:ext uri="{D42A27DB-BD31-4B8C-83A1-F6EECF244321}">
+                <p14:modId xmlns:p14="http://schemas.microsoft.com/office/powerpoint/2010/main" val="1948497316"/>
+              </p:ext>
+            </p:extLst>
+          </p:nvPr>
+        </p:nvGraphicFramePr>
+        <p:xfrm>
+          <a:off x="2263806" y="1935334"/>
+          <a:ext cx="8109258" cy="4567235"/>
+        </p:xfrm>
+        <a:graphic>
+          <a:graphicData uri="http://schemas.openxmlformats.org/drawingml/2006/table">
+            <a:tbl>
+              <a:tblPr firstRow="1" bandRow="1">
+                <a:tableStyleId>{5C22544A-7EE6-4342-B048-85BDC9FD1C3A}</a:tableStyleId>
+              </a:tblPr>
+              <a:tblGrid>
+                <a:gridCol w="1606858">
+                  <a:extLst>
+                    <a:ext uri="{9D8B030D-6E8A-4147-A177-3AD203B41FA5}">
+                      <a16:colId xmlns:a16="http://schemas.microsoft.com/office/drawing/2014/main" val="2852618802"/>
+                    </a:ext>
+                  </a:extLst>
+                </a:gridCol>
+                <a:gridCol w="1625600">
+                  <a:extLst>
+                    <a:ext uri="{9D8B030D-6E8A-4147-A177-3AD203B41FA5}">
+                      <a16:colId xmlns:a16="http://schemas.microsoft.com/office/drawing/2014/main" val="561470640"/>
+                    </a:ext>
+                  </a:extLst>
+                </a:gridCol>
+                <a:gridCol w="1625600">
+                  <a:extLst>
+                    <a:ext uri="{9D8B030D-6E8A-4147-A177-3AD203B41FA5}">
+                      <a16:colId xmlns:a16="http://schemas.microsoft.com/office/drawing/2014/main" val="1663308346"/>
+                    </a:ext>
+                  </a:extLst>
+                </a:gridCol>
+                <a:gridCol w="1604886">
+                  <a:extLst>
+                    <a:ext uri="{9D8B030D-6E8A-4147-A177-3AD203B41FA5}">
+                      <a16:colId xmlns:a16="http://schemas.microsoft.com/office/drawing/2014/main" val="310188794"/>
+                    </a:ext>
+                  </a:extLst>
+                </a:gridCol>
+                <a:gridCol w="1646314">
+                  <a:extLst>
+                    <a:ext uri="{9D8B030D-6E8A-4147-A177-3AD203B41FA5}">
+                      <a16:colId xmlns:a16="http://schemas.microsoft.com/office/drawing/2014/main" val="670476405"/>
+                    </a:ext>
+                  </a:extLst>
+                </a:gridCol>
+              </a:tblGrid>
+              <a:tr h="517148">
+                <a:tc>
+                  <a:txBody>
+                    <a:bodyPr/>
+                    <a:lstStyle/>
+                    <a:p>
+                      <a:pPr algn="ctr"/>
+                      <a:r>
+                        <a:rPr lang="fr-FR" b="1" dirty="0" err="1">
+                          <a:solidFill>
+                            <a:schemeClr val="tx1"/>
+                          </a:solidFill>
+                        </a:rPr>
+                        <a:t>Category</a:t>
+                      </a:r>
+                      <a:endParaRPr lang="en-US" b="1" dirty="0">
+                        <a:solidFill>
+                          <a:schemeClr val="tx1"/>
+                        </a:solidFill>
+                      </a:endParaRPr>
+                    </a:p>
+                  </a:txBody>
+                  <a:tcPr/>
+                </a:tc>
+                <a:tc>
+                  <a:txBody>
+                    <a:bodyPr/>
+                    <a:lstStyle/>
+                    <a:p>
+                      <a:pPr algn="ctr"/>
+                      <a:r>
+                        <a:rPr lang="fr-FR" b="0" dirty="0">
+                          <a:solidFill>
+                            <a:schemeClr val="tx1"/>
+                          </a:solidFill>
+                        </a:rPr>
+                        <a:t>Google</a:t>
+                      </a:r>
+                      <a:endParaRPr lang="en-US" b="0" dirty="0">
+                        <a:solidFill>
+                          <a:schemeClr val="tx1"/>
+                        </a:solidFill>
+                      </a:endParaRPr>
+                    </a:p>
+                  </a:txBody>
+                  <a:tcPr/>
+                </a:tc>
+                <a:tc>
+                  <a:txBody>
+                    <a:bodyPr/>
+                    <a:lstStyle/>
+                    <a:p>
+                      <a:pPr algn="ctr"/>
+                      <a:r>
+                        <a:rPr lang="fr-FR" b="0" dirty="0">
+                          <a:solidFill>
+                            <a:schemeClr val="tx1"/>
+                          </a:solidFill>
+                        </a:rPr>
+                        <a:t>Microsoft</a:t>
+                      </a:r>
+                    </a:p>
+                  </a:txBody>
+                  <a:tcPr/>
+                </a:tc>
+                <a:tc>
+                  <a:txBody>
+                    <a:bodyPr/>
+                    <a:lstStyle/>
+                    <a:p>
+                      <a:pPr algn="ctr"/>
+                      <a:r>
+                        <a:rPr lang="fr-FR" b="0" dirty="0">
+                          <a:solidFill>
+                            <a:schemeClr val="tx1"/>
+                          </a:solidFill>
+                        </a:rPr>
+                        <a:t>Git</a:t>
+                      </a:r>
+                    </a:p>
+                  </a:txBody>
+                  <a:tcPr/>
+                </a:tc>
+                <a:tc>
+                  <a:txBody>
+                    <a:bodyPr/>
+                    <a:lstStyle/>
+                    <a:p>
+                      <a:pPr algn="ctr"/>
+                      <a:r>
+                        <a:rPr lang="fr-FR" b="0" dirty="0">
+                          <a:solidFill>
+                            <a:schemeClr val="tx1"/>
+                          </a:solidFill>
+                        </a:rPr>
+                        <a:t>GitHub</a:t>
+                      </a:r>
+                    </a:p>
+                  </a:txBody>
+                  <a:tcPr/>
+                </a:tc>
+                <a:extLst>
+                  <a:ext uri="{0D108BD9-81ED-4DB2-BD59-A6C34878D82A}">
+                    <a16:rowId xmlns:a16="http://schemas.microsoft.com/office/drawing/2014/main" val="3700238568"/>
+                  </a:ext>
+                </a:extLst>
+              </a:tr>
+              <a:tr h="953789">
+                <a:tc>
+                  <a:txBody>
+                    <a:bodyPr/>
+                    <a:lstStyle/>
+                    <a:p>
+                      <a:pPr algn="ctr"/>
+                      <a:r>
+                        <a:rPr lang="fr-FR" b="1" dirty="0" err="1">
+                          <a:solidFill>
+                            <a:schemeClr val="tx1"/>
+                          </a:solidFill>
+                        </a:rPr>
+                        <a:t>Collaboratoin</a:t>
+                      </a:r>
+                      <a:endParaRPr lang="fr-FR" b="1" dirty="0">
+                        <a:solidFill>
+                          <a:schemeClr val="tx1"/>
+                        </a:solidFill>
+                      </a:endParaRPr>
+                    </a:p>
+                    <a:p>
+                      <a:pPr algn="ctr"/>
+                      <a:r>
+                        <a:rPr lang="fr-FR" b="1" dirty="0">
+                          <a:solidFill>
+                            <a:schemeClr val="tx1"/>
+                          </a:solidFill>
+                        </a:rPr>
+                        <a:t>Tools</a:t>
+                      </a:r>
+                    </a:p>
+                  </a:txBody>
+                  <a:tcPr/>
+                </a:tc>
+                <a:tc>
+                  <a:txBody>
+                    <a:bodyPr/>
+                    <a:lstStyle/>
+                    <a:p>
+                      <a:pPr marL="0" marR="0" lvl="0" indent="0" algn="ctr" defTabSz="457200" rtl="0" eaLnBrk="1" fontAlgn="auto" latinLnBrk="0" hangingPunct="1">
+                        <a:lnSpc>
+                          <a:spcPct val="100000"/>
+                        </a:lnSpc>
+                        <a:spcBef>
+                          <a:spcPts val="0"/>
+                        </a:spcBef>
+                        <a:spcAft>
+                          <a:spcPts val="0"/>
+                        </a:spcAft>
+                        <a:buClrTx/>
+                        <a:buSzTx/>
+                        <a:buFontTx/>
+                        <a:buNone/>
+                        <a:tabLst/>
+                        <a:defRPr/>
+                      </a:pPr>
+                      <a:r>
+                        <a:rPr lang="fr-FR" b="0" dirty="0">
+                          <a:solidFill>
+                            <a:schemeClr val="tx1"/>
+                          </a:solidFill>
+                        </a:rPr>
+                        <a:t>Google</a:t>
+                      </a:r>
+                      <a:endParaRPr lang="en-US" b="0" dirty="0">
+                        <a:solidFill>
+                          <a:schemeClr val="tx1"/>
+                        </a:solidFill>
+                      </a:endParaRPr>
+                    </a:p>
+                    <a:p>
+                      <a:pPr algn="ctr"/>
+                      <a:r>
+                        <a:rPr lang="en-US" b="0" dirty="0">
+                          <a:solidFill>
+                            <a:schemeClr val="tx1"/>
+                          </a:solidFill>
+                        </a:rPr>
+                        <a:t>Docs,</a:t>
+                      </a:r>
+                    </a:p>
+                    <a:p>
+                      <a:pPr algn="ctr"/>
+                      <a:r>
+                        <a:rPr lang="en-US" b="0" dirty="0">
+                          <a:solidFill>
+                            <a:schemeClr val="tx1"/>
+                          </a:solidFill>
+                        </a:rPr>
+                        <a:t>Drive</a:t>
+                      </a:r>
+                    </a:p>
+                  </a:txBody>
+                  <a:tcPr/>
+                </a:tc>
+                <a:tc>
+                  <a:txBody>
+                    <a:bodyPr/>
+                    <a:lstStyle/>
+                    <a:p>
+                      <a:pPr marL="0" marR="0" lvl="0" indent="0" algn="ctr" defTabSz="457200" rtl="0" eaLnBrk="1" fontAlgn="auto" latinLnBrk="0" hangingPunct="1">
+                        <a:lnSpc>
+                          <a:spcPct val="100000"/>
+                        </a:lnSpc>
+                        <a:spcBef>
+                          <a:spcPts val="0"/>
+                        </a:spcBef>
+                        <a:spcAft>
+                          <a:spcPts val="0"/>
+                        </a:spcAft>
+                        <a:buClrTx/>
+                        <a:buSzTx/>
+                        <a:buFontTx/>
+                        <a:buNone/>
+                        <a:tabLst/>
+                        <a:defRPr/>
+                      </a:pPr>
+                      <a:r>
+                        <a:rPr lang="fr-FR" b="0" dirty="0">
+                          <a:solidFill>
+                            <a:schemeClr val="tx1"/>
+                          </a:solidFill>
+                        </a:rPr>
+                        <a:t>Microsoft</a:t>
+                      </a:r>
+                    </a:p>
+                    <a:p>
+                      <a:pPr algn="ctr"/>
+                      <a:r>
+                        <a:rPr lang="en-US" b="0" dirty="0">
+                          <a:solidFill>
+                            <a:schemeClr val="tx1"/>
+                          </a:solidFill>
+                        </a:rPr>
+                        <a:t>Office </a:t>
+                      </a:r>
+                      <a:r>
+                        <a:rPr lang="en-US" b="0" dirty="0">
+                          <a:solidFill>
+                            <a:schemeClr val="tx1"/>
+                          </a:solidFill>
+                          <a:latin typeface="Arial Narrow" panose="020B0606020202030204" pitchFamily="34" charset="0"/>
+                        </a:rPr>
+                        <a:t>365</a:t>
+                      </a:r>
+                    </a:p>
+                    <a:p>
+                      <a:pPr algn="ctr"/>
+                      <a:endParaRPr lang="en-US" b="0" dirty="0">
+                        <a:solidFill>
+                          <a:schemeClr val="tx1"/>
+                        </a:solidFill>
+                      </a:endParaRPr>
+                    </a:p>
+                  </a:txBody>
+                  <a:tcPr/>
+                </a:tc>
+                <a:tc>
+                  <a:txBody>
+                    <a:bodyPr/>
+                    <a:lstStyle/>
+                    <a:p>
+                      <a:pPr marL="0" marR="0" lvl="0" indent="0" algn="ctr" defTabSz="457200" rtl="0" eaLnBrk="1" fontAlgn="auto" latinLnBrk="0" hangingPunct="1">
+                        <a:lnSpc>
+                          <a:spcPct val="100000"/>
+                        </a:lnSpc>
+                        <a:spcBef>
+                          <a:spcPts val="0"/>
+                        </a:spcBef>
+                        <a:spcAft>
+                          <a:spcPts val="0"/>
+                        </a:spcAft>
+                        <a:buClrTx/>
+                        <a:buSzTx/>
+                        <a:buFontTx/>
+                        <a:buNone/>
+                        <a:tabLst/>
+                        <a:defRPr/>
+                      </a:pPr>
+                      <a:r>
+                        <a:rPr lang="fr-FR" b="0" dirty="0">
+                          <a:solidFill>
+                            <a:schemeClr val="tx1"/>
+                          </a:solidFill>
+                        </a:rPr>
+                        <a:t>Git</a:t>
+                      </a:r>
+                    </a:p>
+                    <a:p>
+                      <a:pPr algn="ctr"/>
+                      <a:r>
+                        <a:rPr lang="en-US" b="0" dirty="0">
+                          <a:solidFill>
+                            <a:schemeClr val="tx1"/>
+                          </a:solidFill>
+                        </a:rPr>
+                        <a:t>Command</a:t>
+                      </a:r>
+                    </a:p>
+                    <a:p>
+                      <a:pPr algn="ctr"/>
+                      <a:r>
+                        <a:rPr lang="en-US" b="0" dirty="0">
+                          <a:solidFill>
+                            <a:schemeClr val="tx1"/>
+                          </a:solidFill>
+                        </a:rPr>
+                        <a:t>line</a:t>
+                      </a:r>
+                    </a:p>
+                  </a:txBody>
+                  <a:tcPr/>
+                </a:tc>
+                <a:tc>
+                  <a:txBody>
+                    <a:bodyPr/>
+                    <a:lstStyle/>
+                    <a:p>
+                      <a:pPr marL="0" marR="0" lvl="0" indent="0" algn="ctr" defTabSz="457200" rtl="0" eaLnBrk="1" fontAlgn="auto" latinLnBrk="0" hangingPunct="1">
+                        <a:lnSpc>
+                          <a:spcPct val="100000"/>
+                        </a:lnSpc>
+                        <a:spcBef>
+                          <a:spcPts val="0"/>
+                        </a:spcBef>
+                        <a:spcAft>
+                          <a:spcPts val="0"/>
+                        </a:spcAft>
+                        <a:buClrTx/>
+                        <a:buSzTx/>
+                        <a:buFontTx/>
+                        <a:buNone/>
+                        <a:tabLst/>
+                        <a:defRPr/>
+                      </a:pPr>
+                      <a:r>
+                        <a:rPr lang="fr-FR" b="0" dirty="0">
+                          <a:solidFill>
+                            <a:schemeClr val="tx1"/>
+                          </a:solidFill>
+                        </a:rPr>
+                        <a:t>GitHub</a:t>
+                      </a:r>
+                    </a:p>
+                    <a:p>
+                      <a:pPr algn="ctr"/>
+                      <a:r>
+                        <a:rPr lang="en-US" b="0" dirty="0">
+                          <a:solidFill>
+                            <a:schemeClr val="tx1"/>
+                          </a:solidFill>
+                        </a:rPr>
+                        <a:t>Pull</a:t>
+                      </a:r>
+                    </a:p>
+                    <a:p>
+                      <a:pPr algn="ctr"/>
+                      <a:r>
+                        <a:rPr lang="en-US" b="0" dirty="0">
+                          <a:solidFill>
+                            <a:schemeClr val="tx1"/>
+                          </a:solidFill>
+                        </a:rPr>
+                        <a:t>Requests</a:t>
+                      </a:r>
+                    </a:p>
+                  </a:txBody>
+                  <a:tcPr/>
+                </a:tc>
+                <a:extLst>
+                  <a:ext uri="{0D108BD9-81ED-4DB2-BD59-A6C34878D82A}">
+                    <a16:rowId xmlns:a16="http://schemas.microsoft.com/office/drawing/2014/main" val="3845080976"/>
+                  </a:ext>
+                </a:extLst>
+              </a:tr>
+              <a:tr h="953789">
+                <a:tc>
+                  <a:txBody>
+                    <a:bodyPr/>
+                    <a:lstStyle/>
+                    <a:p>
+                      <a:pPr algn="ctr"/>
+                      <a:r>
+                        <a:rPr lang="fr-FR" b="1" dirty="0">
+                          <a:solidFill>
+                            <a:schemeClr val="tx1"/>
+                          </a:solidFill>
+                        </a:rPr>
+                        <a:t>Data Storage</a:t>
+                      </a:r>
+                      <a:endParaRPr lang="en-US" b="1" dirty="0">
+                        <a:solidFill>
+                          <a:schemeClr val="tx1"/>
+                        </a:solidFill>
+                      </a:endParaRPr>
+                    </a:p>
+                  </a:txBody>
+                  <a:tcPr/>
+                </a:tc>
+                <a:tc>
+                  <a:txBody>
+                    <a:bodyPr/>
+                    <a:lstStyle/>
+                    <a:p>
+                      <a:pPr algn="ctr"/>
+                      <a:r>
+                        <a:rPr lang="fr-FR" b="0" dirty="0">
+                          <a:solidFill>
+                            <a:schemeClr val="tx1"/>
+                          </a:solidFill>
+                          <a:latin typeface="Arial Narrow" panose="020B0606020202030204" pitchFamily="34" charset="0"/>
+                        </a:rPr>
+                        <a:t>15 </a:t>
+                      </a:r>
+                      <a:r>
+                        <a:rPr lang="fr-FR" b="0" dirty="0">
+                          <a:solidFill>
+                            <a:schemeClr val="tx1"/>
+                          </a:solidFill>
+                        </a:rPr>
+                        <a:t>GB</a:t>
+                      </a:r>
+                    </a:p>
+                    <a:p>
+                      <a:pPr marL="0" marR="0" lvl="0" indent="0" algn="ctr" defTabSz="457200" rtl="0" eaLnBrk="1" fontAlgn="auto" latinLnBrk="0" hangingPunct="1">
+                        <a:lnSpc>
+                          <a:spcPct val="100000"/>
+                        </a:lnSpc>
+                        <a:spcBef>
+                          <a:spcPts val="0"/>
+                        </a:spcBef>
+                        <a:spcAft>
+                          <a:spcPts val="0"/>
+                        </a:spcAft>
+                        <a:buClrTx/>
+                        <a:buSzTx/>
+                        <a:buFontTx/>
+                        <a:buNone/>
+                        <a:tabLst/>
+                        <a:defRPr/>
+                      </a:pPr>
+                      <a:r>
+                        <a:rPr lang="fr-FR" b="0" dirty="0">
+                          <a:solidFill>
+                            <a:schemeClr val="tx1"/>
+                          </a:solidFill>
+                        </a:rPr>
+                        <a:t>(Google</a:t>
+                      </a:r>
+                      <a:endParaRPr lang="en-US" b="0" dirty="0">
+                        <a:solidFill>
+                          <a:schemeClr val="tx1"/>
+                        </a:solidFill>
+                      </a:endParaRPr>
+                    </a:p>
+                    <a:p>
+                      <a:pPr marL="0" marR="0" lvl="0" indent="0" algn="ctr" defTabSz="457200" rtl="0" eaLnBrk="1" fontAlgn="auto" latinLnBrk="0" hangingPunct="1">
+                        <a:lnSpc>
+                          <a:spcPct val="100000"/>
+                        </a:lnSpc>
+                        <a:spcBef>
+                          <a:spcPts val="0"/>
+                        </a:spcBef>
+                        <a:spcAft>
+                          <a:spcPts val="0"/>
+                        </a:spcAft>
+                        <a:buClrTx/>
+                        <a:buSzTx/>
+                        <a:buFontTx/>
+                        <a:buNone/>
+                        <a:tabLst/>
+                        <a:defRPr/>
+                      </a:pPr>
+                      <a:r>
+                        <a:rPr lang="en-US" b="0" dirty="0">
+                          <a:solidFill>
+                            <a:schemeClr val="tx1"/>
+                          </a:solidFill>
+                        </a:rPr>
+                        <a:t>Drive)</a:t>
+                      </a:r>
+                    </a:p>
+                    <a:p>
+                      <a:pPr algn="ctr"/>
+                      <a:endParaRPr lang="en-US" b="0" dirty="0">
+                        <a:solidFill>
+                          <a:schemeClr val="tx1"/>
+                        </a:solidFill>
+                      </a:endParaRPr>
+                    </a:p>
+                  </a:txBody>
+                  <a:tcPr/>
+                </a:tc>
+                <a:tc>
+                  <a:txBody>
+                    <a:bodyPr/>
+                    <a:lstStyle/>
+                    <a:p>
+                      <a:pPr algn="ctr"/>
+                      <a:r>
+                        <a:rPr lang="fr-FR" sz="1800" b="0" kern="1200" dirty="0">
+                          <a:solidFill>
+                            <a:schemeClr val="tx1"/>
+                          </a:solidFill>
+                          <a:latin typeface="Arial Narrow" panose="020B0606020202030204" pitchFamily="34" charset="0"/>
+                          <a:ea typeface="+mn-ea"/>
+                          <a:cs typeface="+mn-cs"/>
+                        </a:rPr>
+                        <a:t>1</a:t>
+                      </a:r>
+                      <a:r>
+                        <a:rPr lang="fr-FR" sz="1800" b="0" kern="1200" dirty="0">
+                          <a:solidFill>
+                            <a:schemeClr val="tx1"/>
+                          </a:solidFill>
+                          <a:latin typeface="+mn-lt"/>
+                          <a:ea typeface="+mn-ea"/>
+                          <a:cs typeface="+mn-cs"/>
+                        </a:rPr>
+                        <a:t> </a:t>
+                      </a:r>
+                      <a:r>
+                        <a:rPr lang="fr-FR" b="0" dirty="0">
+                          <a:solidFill>
+                            <a:schemeClr val="tx1"/>
+                          </a:solidFill>
+                        </a:rPr>
+                        <a:t>TB</a:t>
+                      </a:r>
+                    </a:p>
+                    <a:p>
+                      <a:pPr marL="0" marR="0" lvl="0" indent="0" algn="ctr" defTabSz="457200" rtl="0" eaLnBrk="1" fontAlgn="auto" latinLnBrk="0" hangingPunct="1">
+                        <a:lnSpc>
+                          <a:spcPct val="100000"/>
+                        </a:lnSpc>
+                        <a:spcBef>
+                          <a:spcPts val="0"/>
+                        </a:spcBef>
+                        <a:spcAft>
+                          <a:spcPts val="0"/>
+                        </a:spcAft>
+                        <a:buClrTx/>
+                        <a:buSzTx/>
+                        <a:buFontTx/>
+                        <a:buNone/>
+                        <a:tabLst/>
+                        <a:defRPr/>
+                      </a:pPr>
+                      <a:r>
+                        <a:rPr lang="en-US" b="0" dirty="0">
+                          <a:solidFill>
+                            <a:schemeClr val="tx1"/>
+                          </a:solidFill>
+                        </a:rPr>
+                        <a:t>(OneDrive)</a:t>
+                      </a:r>
+                    </a:p>
+                    <a:p>
+                      <a:pPr algn="ctr"/>
+                      <a:endParaRPr lang="en-US" b="0" dirty="0">
+                        <a:solidFill>
+                          <a:schemeClr val="tx1"/>
+                        </a:solidFill>
+                      </a:endParaRPr>
+                    </a:p>
+                  </a:txBody>
+                  <a:tcPr/>
+                </a:tc>
+                <a:tc>
+                  <a:txBody>
+                    <a:bodyPr/>
+                    <a:lstStyle/>
+                    <a:p>
+                      <a:pPr algn="ctr"/>
+                      <a:r>
+                        <a:rPr lang="fr-FR" sz="1800" b="0" dirty="0">
+                          <a:solidFill>
+                            <a:schemeClr val="tx1"/>
+                          </a:solidFill>
+                          <a:latin typeface="+mn-lt"/>
+                          <a:ea typeface="Microsoft YaHei UI" panose="020B0503020204020204" pitchFamily="34" charset="-122"/>
+                        </a:rPr>
+                        <a:t>N/A</a:t>
+                      </a:r>
+                      <a:endParaRPr lang="en-US" sz="1800" b="0" dirty="0">
+                        <a:solidFill>
+                          <a:schemeClr val="tx1"/>
+                        </a:solidFill>
+                        <a:latin typeface="+mn-lt"/>
+                        <a:ea typeface="Microsoft YaHei UI" panose="020B0503020204020204" pitchFamily="34" charset="-122"/>
+                      </a:endParaRPr>
+                    </a:p>
+                  </a:txBody>
+                  <a:tcPr/>
+                </a:tc>
+                <a:tc>
+                  <a:txBody>
+                    <a:bodyPr/>
+                    <a:lstStyle/>
+                    <a:p>
+                      <a:pPr algn="ctr"/>
+                      <a:r>
+                        <a:rPr lang="fr-FR" b="0" dirty="0" err="1">
+                          <a:solidFill>
+                            <a:schemeClr val="tx1"/>
+                          </a:solidFill>
+                        </a:rPr>
+                        <a:t>Unlimited</a:t>
+                      </a:r>
+                      <a:endParaRPr lang="fr-FR" b="0" dirty="0">
+                        <a:solidFill>
+                          <a:schemeClr val="tx1"/>
+                        </a:solidFill>
+                      </a:endParaRPr>
+                    </a:p>
+                    <a:p>
+                      <a:pPr marL="0" marR="0" lvl="0" indent="0" algn="ctr" defTabSz="457200" rtl="0" eaLnBrk="1" fontAlgn="auto" latinLnBrk="0" hangingPunct="1">
+                        <a:lnSpc>
+                          <a:spcPct val="100000"/>
+                        </a:lnSpc>
+                        <a:spcBef>
+                          <a:spcPts val="0"/>
+                        </a:spcBef>
+                        <a:spcAft>
+                          <a:spcPts val="0"/>
+                        </a:spcAft>
+                        <a:buClrTx/>
+                        <a:buSzTx/>
+                        <a:buFontTx/>
+                        <a:buNone/>
+                        <a:tabLst/>
+                        <a:defRPr/>
+                      </a:pPr>
+                      <a:r>
+                        <a:rPr lang="fr-FR" b="0" dirty="0">
+                          <a:solidFill>
+                            <a:schemeClr val="tx1"/>
+                          </a:solidFill>
+                        </a:rPr>
+                        <a:t>(GitHub)</a:t>
+                      </a:r>
+                    </a:p>
+                    <a:p>
+                      <a:pPr algn="ctr"/>
+                      <a:endParaRPr lang="en-US" b="0" dirty="0">
+                        <a:solidFill>
+                          <a:schemeClr val="tx1"/>
+                        </a:solidFill>
+                      </a:endParaRPr>
+                    </a:p>
+                  </a:txBody>
+                  <a:tcPr/>
+                </a:tc>
+                <a:extLst>
+                  <a:ext uri="{0D108BD9-81ED-4DB2-BD59-A6C34878D82A}">
+                    <a16:rowId xmlns:a16="http://schemas.microsoft.com/office/drawing/2014/main" val="1159859258"/>
+                  </a:ext>
+                </a:extLst>
+              </a:tr>
+              <a:tr h="953789">
+                <a:tc>
+                  <a:txBody>
+                    <a:bodyPr/>
+                    <a:lstStyle/>
+                    <a:p>
+                      <a:pPr algn="ctr"/>
+                      <a:r>
+                        <a:rPr lang="fr-FR" b="1" dirty="0" err="1">
+                          <a:solidFill>
+                            <a:schemeClr val="tx1"/>
+                          </a:solidFill>
+                        </a:rPr>
+                        <a:t>Integration</a:t>
+                      </a:r>
+                      <a:endParaRPr lang="fr-FR" b="1" dirty="0">
+                        <a:solidFill>
+                          <a:schemeClr val="tx1"/>
+                        </a:solidFill>
+                      </a:endParaRPr>
+                    </a:p>
+                    <a:p>
+                      <a:pPr algn="ctr"/>
+                      <a:r>
+                        <a:rPr lang="fr-FR" b="1" dirty="0" err="1">
+                          <a:solidFill>
+                            <a:schemeClr val="tx1"/>
+                          </a:solidFill>
+                        </a:rPr>
+                        <a:t>Capabilities</a:t>
+                      </a:r>
+                      <a:endParaRPr lang="fr-FR" b="1" dirty="0">
+                        <a:solidFill>
+                          <a:schemeClr val="tx1"/>
+                        </a:solidFill>
+                      </a:endParaRPr>
+                    </a:p>
+                  </a:txBody>
+                  <a:tcPr/>
+                </a:tc>
+                <a:tc>
+                  <a:txBody>
+                    <a:bodyPr/>
+                    <a:lstStyle/>
+                    <a:p>
+                      <a:pPr marL="0" marR="0" lvl="0" indent="0" algn="ctr" defTabSz="457200" rtl="0" eaLnBrk="1" fontAlgn="auto" latinLnBrk="0" hangingPunct="1">
+                        <a:lnSpc>
+                          <a:spcPct val="100000"/>
+                        </a:lnSpc>
+                        <a:spcBef>
+                          <a:spcPts val="0"/>
+                        </a:spcBef>
+                        <a:spcAft>
+                          <a:spcPts val="0"/>
+                        </a:spcAft>
+                        <a:buClrTx/>
+                        <a:buSzTx/>
+                        <a:buFontTx/>
+                        <a:buNone/>
+                        <a:tabLst/>
+                        <a:defRPr/>
+                      </a:pPr>
+                      <a:r>
+                        <a:rPr lang="fr-FR" b="0" dirty="0">
+                          <a:solidFill>
+                            <a:schemeClr val="tx1"/>
+                          </a:solidFill>
+                        </a:rPr>
+                        <a:t>Google</a:t>
+                      </a:r>
+                      <a:endParaRPr lang="en-US" b="0" dirty="0">
+                        <a:solidFill>
+                          <a:schemeClr val="tx1"/>
+                        </a:solidFill>
+                      </a:endParaRPr>
+                    </a:p>
+                    <a:p>
+                      <a:pPr algn="ctr"/>
+                      <a:r>
+                        <a:rPr lang="en-US" b="0" dirty="0">
+                          <a:solidFill>
+                            <a:schemeClr val="tx1"/>
+                          </a:solidFill>
+                        </a:rPr>
+                        <a:t>Workspace</a:t>
+                      </a:r>
+                    </a:p>
+                  </a:txBody>
+                  <a:tcPr/>
+                </a:tc>
+                <a:tc>
+                  <a:txBody>
+                    <a:bodyPr/>
+                    <a:lstStyle/>
+                    <a:p>
+                      <a:pPr marL="0" marR="0" lvl="0" indent="0" algn="ctr" defTabSz="457200" rtl="0" eaLnBrk="1" fontAlgn="auto" latinLnBrk="0" hangingPunct="1">
+                        <a:lnSpc>
+                          <a:spcPct val="100000"/>
+                        </a:lnSpc>
+                        <a:spcBef>
+                          <a:spcPts val="0"/>
+                        </a:spcBef>
+                        <a:spcAft>
+                          <a:spcPts val="0"/>
+                        </a:spcAft>
+                        <a:buClrTx/>
+                        <a:buSzTx/>
+                        <a:buFontTx/>
+                        <a:buNone/>
+                        <a:tabLst/>
+                        <a:defRPr/>
+                      </a:pPr>
+                      <a:r>
+                        <a:rPr lang="fr-FR" b="0" dirty="0">
+                          <a:solidFill>
+                            <a:schemeClr val="tx1"/>
+                          </a:solidFill>
+                        </a:rPr>
+                        <a:t>Microsoft</a:t>
+                      </a:r>
+                    </a:p>
+                    <a:p>
+                      <a:pPr algn="ctr"/>
+                      <a:r>
+                        <a:rPr lang="en-US" b="0" dirty="0">
+                          <a:solidFill>
+                            <a:schemeClr val="tx1"/>
+                          </a:solidFill>
+                          <a:latin typeface="Arial Narrow" panose="020B0606020202030204" pitchFamily="34" charset="0"/>
+                        </a:rPr>
+                        <a:t>365</a:t>
+                      </a:r>
+                    </a:p>
+                  </a:txBody>
+                  <a:tcPr/>
+                </a:tc>
+                <a:tc>
+                  <a:txBody>
+                    <a:bodyPr/>
+                    <a:lstStyle/>
+                    <a:p>
+                      <a:pPr algn="ctr"/>
+                      <a:r>
+                        <a:rPr lang="fr-FR" b="0" dirty="0">
+                          <a:solidFill>
+                            <a:schemeClr val="tx1"/>
+                          </a:solidFill>
+                        </a:rPr>
+                        <a:t>Thiard-</a:t>
+                      </a:r>
+                    </a:p>
+                    <a:p>
+                      <a:pPr algn="ctr"/>
+                      <a:r>
+                        <a:rPr lang="fr-FR" b="0" dirty="0">
+                          <a:solidFill>
+                            <a:schemeClr val="tx1"/>
+                          </a:solidFill>
+                        </a:rPr>
+                        <a:t>Party</a:t>
+                      </a:r>
+                    </a:p>
+                    <a:p>
+                      <a:pPr algn="ctr"/>
+                      <a:r>
+                        <a:rPr lang="fr-FR" b="0" dirty="0">
+                          <a:solidFill>
+                            <a:schemeClr val="tx1"/>
+                          </a:solidFill>
+                        </a:rPr>
+                        <a:t>services</a:t>
+                      </a:r>
+                      <a:endParaRPr lang="en-US" b="0" dirty="0">
+                        <a:solidFill>
+                          <a:schemeClr val="tx1"/>
+                        </a:solidFill>
+                      </a:endParaRPr>
+                    </a:p>
+                  </a:txBody>
+                  <a:tcPr/>
+                </a:tc>
+                <a:tc>
+                  <a:txBody>
+                    <a:bodyPr/>
+                    <a:lstStyle/>
+                    <a:p>
+                      <a:pPr algn="ctr"/>
+                      <a:r>
+                        <a:rPr lang="fr-FR" b="0" dirty="0">
+                          <a:solidFill>
+                            <a:schemeClr val="tx1"/>
+                          </a:solidFill>
+                        </a:rPr>
+                        <a:t>Thiard-</a:t>
+                      </a:r>
+                    </a:p>
+                    <a:p>
+                      <a:pPr algn="ctr"/>
+                      <a:r>
+                        <a:rPr lang="fr-FR" b="0" dirty="0">
+                          <a:solidFill>
+                            <a:schemeClr val="tx1"/>
+                          </a:solidFill>
+                        </a:rPr>
+                        <a:t>Party</a:t>
+                      </a:r>
+                    </a:p>
+                    <a:p>
+                      <a:pPr algn="ctr"/>
+                      <a:r>
+                        <a:rPr lang="fr-FR" b="0" dirty="0">
+                          <a:solidFill>
+                            <a:schemeClr val="tx1"/>
+                          </a:solidFill>
+                        </a:rPr>
+                        <a:t>services</a:t>
+                      </a:r>
+                      <a:endParaRPr lang="en-US" b="0" dirty="0">
+                        <a:solidFill>
+                          <a:schemeClr val="tx1"/>
+                        </a:solidFill>
+                      </a:endParaRPr>
+                    </a:p>
+                  </a:txBody>
+                  <a:tcPr/>
+                </a:tc>
+                <a:extLst>
+                  <a:ext uri="{0D108BD9-81ED-4DB2-BD59-A6C34878D82A}">
+                    <a16:rowId xmlns:a16="http://schemas.microsoft.com/office/drawing/2014/main" val="3583348257"/>
+                  </a:ext>
+                </a:extLst>
+              </a:tr>
+              <a:tr h="953789">
+                <a:tc>
+                  <a:txBody>
+                    <a:bodyPr/>
+                    <a:lstStyle/>
+                    <a:p>
+                      <a:pPr algn="ctr"/>
+                      <a:r>
+                        <a:rPr lang="fr-FR" b="1" dirty="0">
+                          <a:solidFill>
+                            <a:schemeClr val="tx1"/>
+                          </a:solidFill>
+                        </a:rPr>
+                        <a:t>User</a:t>
+                      </a:r>
+                      <a:r>
+                        <a:rPr lang="en-US" b="1" dirty="0">
+                          <a:solidFill>
+                            <a:schemeClr val="tx1"/>
+                          </a:solidFill>
+                        </a:rPr>
+                        <a:t> Interface</a:t>
+                      </a:r>
+                    </a:p>
+                    <a:p>
+                      <a:pPr algn="ctr"/>
+                      <a:endParaRPr lang="fr-FR" b="1" dirty="0">
+                        <a:solidFill>
+                          <a:schemeClr val="tx1"/>
+                        </a:solidFill>
+                      </a:endParaRPr>
+                    </a:p>
+                  </a:txBody>
+                  <a:tcPr/>
+                </a:tc>
+                <a:tc>
+                  <a:txBody>
+                    <a:bodyPr/>
+                    <a:lstStyle/>
+                    <a:p>
+                      <a:pPr algn="ctr"/>
+                      <a:r>
+                        <a:rPr lang="fr-FR" b="0" dirty="0">
+                          <a:solidFill>
+                            <a:schemeClr val="tx1"/>
+                          </a:solidFill>
+                        </a:rPr>
+                        <a:t>Intuitive</a:t>
+                      </a:r>
+                    </a:p>
+                    <a:p>
+                      <a:pPr algn="ctr"/>
+                      <a:r>
+                        <a:rPr lang="fr-FR" b="0" dirty="0">
+                          <a:solidFill>
+                            <a:schemeClr val="tx1"/>
+                          </a:solidFill>
+                        </a:rPr>
+                        <a:t>And clean</a:t>
+                      </a:r>
+                      <a:endParaRPr lang="en-US" b="0" dirty="0">
+                        <a:solidFill>
+                          <a:schemeClr val="tx1"/>
+                        </a:solidFill>
+                      </a:endParaRPr>
+                    </a:p>
+                  </a:txBody>
+                  <a:tcPr/>
+                </a:tc>
+                <a:tc>
+                  <a:txBody>
+                    <a:bodyPr/>
+                    <a:lstStyle/>
+                    <a:p>
+                      <a:pPr algn="ctr"/>
+                      <a:r>
+                        <a:rPr lang="fr-FR" b="0" dirty="0" err="1">
+                          <a:solidFill>
+                            <a:schemeClr val="tx1"/>
+                          </a:solidFill>
+                        </a:rPr>
+                        <a:t>Familiar</a:t>
+                      </a:r>
+                      <a:endParaRPr lang="fr-FR" b="0" dirty="0">
+                        <a:solidFill>
+                          <a:schemeClr val="tx1"/>
+                        </a:solidFill>
+                      </a:endParaRPr>
+                    </a:p>
+                    <a:p>
+                      <a:pPr algn="ctr"/>
+                      <a:r>
+                        <a:rPr lang="fr-FR" b="0" dirty="0">
+                          <a:solidFill>
+                            <a:schemeClr val="tx1"/>
+                          </a:solidFill>
+                        </a:rPr>
+                        <a:t>And</a:t>
+                      </a:r>
+                    </a:p>
+                    <a:p>
+                      <a:pPr algn="ctr"/>
+                      <a:r>
+                        <a:rPr lang="fr-FR" b="0" dirty="0">
+                          <a:solidFill>
+                            <a:schemeClr val="tx1"/>
+                          </a:solidFill>
+                        </a:rPr>
+                        <a:t>modern</a:t>
+                      </a:r>
+                      <a:endParaRPr lang="en-US" b="0" dirty="0">
+                        <a:solidFill>
+                          <a:schemeClr val="tx1"/>
+                        </a:solidFill>
+                      </a:endParaRPr>
+                    </a:p>
+                  </a:txBody>
+                  <a:tcPr/>
+                </a:tc>
+                <a:tc>
+                  <a:txBody>
+                    <a:bodyPr/>
+                    <a:lstStyle/>
+                    <a:p>
+                      <a:pPr algn="ctr"/>
+                      <a:r>
+                        <a:rPr lang="en-US" b="0" dirty="0">
+                          <a:solidFill>
+                            <a:schemeClr val="tx1"/>
+                          </a:solidFill>
+                        </a:rPr>
+                        <a:t>Command</a:t>
+                      </a:r>
+                    </a:p>
+                    <a:p>
+                      <a:pPr algn="ctr"/>
+                      <a:r>
+                        <a:rPr lang="en-US" b="0" dirty="0">
+                          <a:solidFill>
+                            <a:schemeClr val="tx1"/>
+                          </a:solidFill>
+                        </a:rPr>
+                        <a:t>Line</a:t>
+                      </a:r>
+                    </a:p>
+                    <a:p>
+                      <a:pPr algn="ctr"/>
+                      <a:r>
+                        <a:rPr lang="en-US" b="0" dirty="0">
+                          <a:solidFill>
+                            <a:schemeClr val="tx1"/>
+                          </a:solidFill>
+                        </a:rPr>
+                        <a:t>interface</a:t>
+                      </a:r>
+                    </a:p>
+                  </a:txBody>
+                  <a:tcPr/>
+                </a:tc>
+                <a:tc>
+                  <a:txBody>
+                    <a:bodyPr/>
+                    <a:lstStyle/>
+                    <a:p>
+                      <a:pPr algn="ctr"/>
+                      <a:r>
+                        <a:rPr lang="fr-FR" b="0" dirty="0">
+                          <a:solidFill>
+                            <a:schemeClr val="tx1"/>
+                          </a:solidFill>
+                        </a:rPr>
+                        <a:t>Web</a:t>
+                      </a:r>
+                    </a:p>
+                    <a:p>
+                      <a:pPr algn="ctr"/>
+                      <a:r>
+                        <a:rPr lang="en-US" b="0" dirty="0">
+                          <a:solidFill>
+                            <a:schemeClr val="tx1"/>
+                          </a:solidFill>
+                        </a:rPr>
+                        <a:t>based</a:t>
+                      </a:r>
+                    </a:p>
+                    <a:p>
+                      <a:pPr marL="0" marR="0" lvl="0" indent="0" algn="ctr" defTabSz="457200" rtl="0" eaLnBrk="1" fontAlgn="auto" latinLnBrk="0" hangingPunct="1">
+                        <a:lnSpc>
+                          <a:spcPct val="100000"/>
+                        </a:lnSpc>
+                        <a:spcBef>
+                          <a:spcPts val="0"/>
+                        </a:spcBef>
+                        <a:spcAft>
+                          <a:spcPts val="0"/>
+                        </a:spcAft>
+                        <a:buClrTx/>
+                        <a:buSzTx/>
+                        <a:buFontTx/>
+                        <a:buNone/>
+                        <a:tabLst/>
+                        <a:defRPr/>
+                      </a:pPr>
+                      <a:r>
+                        <a:rPr lang="en-US" b="0" dirty="0">
+                          <a:solidFill>
+                            <a:schemeClr val="tx1"/>
+                          </a:solidFill>
+                        </a:rPr>
+                        <a:t>interface</a:t>
+                      </a:r>
+                    </a:p>
+                  </a:txBody>
+                  <a:tcPr/>
+                </a:tc>
+                <a:extLst>
+                  <a:ext uri="{0D108BD9-81ED-4DB2-BD59-A6C34878D82A}">
+                    <a16:rowId xmlns:a16="http://schemas.microsoft.com/office/drawing/2014/main" val="3771688066"/>
+                  </a:ext>
+                </a:extLst>
+              </a:tr>
+            </a:tbl>
+          </a:graphicData>
+        </a:graphic>
+      </p:graphicFrame>
+      <p:pic>
+        <p:nvPicPr>
+          <p:cNvPr id="1026" name="Picture 2" descr="computer, information, innovation, security, technology ">
+            <a:extLst>
+              <a:ext uri="{FF2B5EF4-FFF2-40B4-BE49-F238E27FC236}">
+                <a16:creationId xmlns:a16="http://schemas.microsoft.com/office/drawing/2014/main" id="{007E8AC5-72C4-4A2B-B7F5-37E10475B448}"/>
+              </a:ext>
+            </a:extLst>
+          </p:cNvPr>
+          <p:cNvPicPr>
+            <a:picLocks noChangeAspect="1" noChangeArrowheads="1"/>
+          </p:cNvPicPr>
+          <p:nvPr/>
+        </p:nvPicPr>
+        <p:blipFill>
+          <a:blip r:embed="rId2">
+            <a:extLst>
+              <a:ext uri="{28A0092B-C50C-407E-A947-70E740481C1C}">
+                <a14:useLocalDpi xmlns:a14="http://schemas.microsoft.com/office/drawing/2010/main" val="0"/>
+              </a:ext>
+            </a:extLst>
+          </a:blip>
+          <a:srcRect/>
+          <a:stretch>
+            <a:fillRect/>
+          </a:stretch>
+        </p:blipFill>
+        <p:spPr bwMode="auto">
+          <a:xfrm>
+            <a:off x="2263806" y="568495"/>
+            <a:ext cx="896320" cy="896320"/>
+          </a:xfrm>
+          <a:prstGeom prst="rect">
+            <a:avLst/>
+          </a:prstGeom>
+          <a:noFill/>
+          <a:extLst>
+            <a:ext uri="{909E8E84-426E-40DD-AFC4-6F175D3DCCD1}">
+              <a14:hiddenFill xmlns:a14="http://schemas.microsoft.com/office/drawing/2010/main">
+                <a:solidFill>
+                  <a:srgbClr val="FFFFFF"/>
+                </a:solidFill>
+              </a14:hiddenFill>
+            </a:ext>
+          </a:extLst>
+        </p:spPr>
+      </p:pic>
+      <p:pic>
+        <p:nvPicPr>
+          <p:cNvPr id="1028" name="Picture 4" descr="artificial intelligence, computer sciences, information technology, internet things, iot ">
+            <a:extLst>
+              <a:ext uri="{FF2B5EF4-FFF2-40B4-BE49-F238E27FC236}">
+                <a16:creationId xmlns:a16="http://schemas.microsoft.com/office/drawing/2014/main" id="{AEE2B193-5641-4D5A-9C78-AD2FA33F9C85}"/>
+              </a:ext>
+            </a:extLst>
+          </p:cNvPr>
+          <p:cNvPicPr>
+            <a:picLocks noChangeAspect="1" noChangeArrowheads="1"/>
+          </p:cNvPicPr>
+          <p:nvPr/>
+        </p:nvPicPr>
+        <p:blipFill>
+          <a:blip r:embed="rId3">
+            <a:extLst>
+              <a:ext uri="{28A0092B-C50C-407E-A947-70E740481C1C}">
+                <a14:useLocalDpi xmlns:a14="http://schemas.microsoft.com/office/drawing/2010/main" val="0"/>
+              </a:ext>
+            </a:extLst>
+          </a:blip>
+          <a:srcRect/>
+          <a:stretch>
+            <a:fillRect/>
+          </a:stretch>
+        </p:blipFill>
+        <p:spPr bwMode="auto">
+          <a:xfrm>
+            <a:off x="9665810" y="570635"/>
+            <a:ext cx="707254" cy="752960"/>
+          </a:xfrm>
+          <a:prstGeom prst="rect">
+            <a:avLst/>
+          </a:prstGeom>
+          <a:noFill/>
+          <a:extLst>
+            <a:ext uri="{909E8E84-426E-40DD-AFC4-6F175D3DCCD1}">
+              <a14:hiddenFill xmlns:a14="http://schemas.microsoft.com/office/drawing/2010/main">
+                <a:solidFill>
+                  <a:srgbClr val="FFFFFF"/>
+                </a:solidFill>
+              </a14:hiddenFill>
+            </a:ext>
+          </a:extLst>
+        </p:spPr>
+      </p:pic>
+      <p:pic>
+        <p:nvPicPr>
+          <p:cNvPr id="1030" name="Picture 6" descr="information, innovation, learning, research, technology ">
+            <a:extLst>
+              <a:ext uri="{FF2B5EF4-FFF2-40B4-BE49-F238E27FC236}">
+                <a16:creationId xmlns:a16="http://schemas.microsoft.com/office/drawing/2014/main" id="{CAE99F49-364D-4960-A786-2780D09B8187}"/>
+              </a:ext>
+            </a:extLst>
+          </p:cNvPr>
+          <p:cNvPicPr>
+            <a:picLocks noChangeAspect="1" noChangeArrowheads="1"/>
+          </p:cNvPicPr>
+          <p:nvPr/>
+        </p:nvPicPr>
+        <p:blipFill>
+          <a:blip r:embed="rId4">
+            <a:extLst>
+              <a:ext uri="{28A0092B-C50C-407E-A947-70E740481C1C}">
+                <a14:useLocalDpi xmlns:a14="http://schemas.microsoft.com/office/drawing/2010/main" val="0"/>
+              </a:ext>
+            </a:extLst>
+          </a:blip>
+          <a:srcRect/>
+          <a:stretch>
+            <a:fillRect/>
+          </a:stretch>
+        </p:blipFill>
+        <p:spPr bwMode="auto">
+          <a:xfrm>
+            <a:off x="4255363" y="568495"/>
+            <a:ext cx="831542" cy="831542"/>
+          </a:xfrm>
+          <a:prstGeom prst="rect">
+            <a:avLst/>
+          </a:prstGeom>
+          <a:noFill/>
+          <a:extLst>
+            <a:ext uri="{909E8E84-426E-40DD-AFC4-6F175D3DCCD1}">
+              <a14:hiddenFill xmlns:a14="http://schemas.microsoft.com/office/drawing/2010/main">
+                <a:solidFill>
+                  <a:srgbClr val="FFFFFF"/>
+                </a:solidFill>
+              </a14:hiddenFill>
+            </a:ext>
+          </a:extLst>
+        </p:spPr>
+      </p:pic>
+      <p:pic>
+        <p:nvPicPr>
+          <p:cNvPr id="1032" name="Picture 8" descr="ai, artificial intelligence, automaton, brain, ic, robotics, technology ">
+            <a:extLst>
+              <a:ext uri="{FF2B5EF4-FFF2-40B4-BE49-F238E27FC236}">
+                <a16:creationId xmlns:a16="http://schemas.microsoft.com/office/drawing/2014/main" id="{2781D749-ACE8-47BF-AF3E-E83597C9F2DA}"/>
+              </a:ext>
+            </a:extLst>
+          </p:cNvPr>
+          <p:cNvPicPr>
+            <a:picLocks noChangeAspect="1" noChangeArrowheads="1"/>
+          </p:cNvPicPr>
+          <p:nvPr/>
+        </p:nvPicPr>
+        <p:blipFill>
+          <a:blip r:embed="rId5">
+            <a:extLst>
+              <a:ext uri="{28A0092B-C50C-407E-A947-70E740481C1C}">
+                <a14:useLocalDpi xmlns:a14="http://schemas.microsoft.com/office/drawing/2010/main" val="0"/>
+              </a:ext>
+            </a:extLst>
+          </a:blip>
+          <a:srcRect/>
+          <a:stretch>
+            <a:fillRect/>
+          </a:stretch>
+        </p:blipFill>
+        <p:spPr bwMode="auto">
+          <a:xfrm>
+            <a:off x="7611122" y="570635"/>
+            <a:ext cx="707253" cy="752960"/>
+          </a:xfrm>
+          <a:prstGeom prst="rect">
+            <a:avLst/>
+          </a:prstGeom>
+          <a:noFill/>
+          <a:extLst>
+            <a:ext uri="{909E8E84-426E-40DD-AFC4-6F175D3DCCD1}">
+              <a14:hiddenFill xmlns:a14="http://schemas.microsoft.com/office/drawing/2010/main">
+                <a:solidFill>
+                  <a:srgbClr val="FFFFFF"/>
+                </a:solidFill>
+              </a14:hiddenFill>
+            </a:ext>
+          </a:extLst>
+        </p:spPr>
+      </p:pic>
+    </p:spTree>
+    <p:extLst>
+      <p:ext uri="{BB962C8B-B14F-4D97-AF65-F5344CB8AC3E}">
+        <p14:creationId xmlns:p14="http://schemas.microsoft.com/office/powerpoint/2010/main" val="478186625"/>
       </p:ext>
     </p:extLst>
   </p:cSld>
@@ -6303,7 +7714,7 @@
           <p:cNvPr id="2" name="Title 1">
             <a:extLst>
               <a:ext uri="{FF2B5EF4-FFF2-40B4-BE49-F238E27FC236}">
-                <a16:creationId xmlns:a16="http://schemas.microsoft.com/office/drawing/2014/main" xmlns="" id="{03C4967C-4910-471D-8309-47A99A159194}"/>
+                <a16:creationId xmlns:a16="http://schemas.microsoft.com/office/drawing/2014/main" id="{03C4967C-4910-471D-8309-47A99A159194}"/>
               </a:ext>
             </a:extLst>
           </p:cNvPr>
@@ -6355,7 +7766,7 @@
           <p:cNvPr id="3" name="TextBox 2">
             <a:extLst>
               <a:ext uri="{FF2B5EF4-FFF2-40B4-BE49-F238E27FC236}">
-                <a16:creationId xmlns:a16="http://schemas.microsoft.com/office/drawing/2014/main" xmlns="" id="{94BC736F-A0A6-44DF-BBAD-B8C433DB266D}"/>
+                <a16:creationId xmlns:a16="http://schemas.microsoft.com/office/drawing/2014/main" id="{94BC736F-A0A6-44DF-BBAD-B8C433DB266D}"/>
               </a:ext>
             </a:extLst>
           </p:cNvPr>
@@ -6529,7 +7940,7 @@
           <p:cNvPr id="2" name="Title 1">
             <a:extLst>
               <a:ext uri="{FF2B5EF4-FFF2-40B4-BE49-F238E27FC236}">
-                <a16:creationId xmlns:a16="http://schemas.microsoft.com/office/drawing/2014/main" xmlns="" id="{C6B2FD77-212D-4071-AC9D-BFD42C69FA72}"/>
+                <a16:creationId xmlns:a16="http://schemas.microsoft.com/office/drawing/2014/main" id="{C6B2FD77-212D-4071-AC9D-BFD42C69FA72}"/>
               </a:ext>
             </a:extLst>
           </p:cNvPr>
@@ -6603,7 +8014,7 @@
           <p:cNvPr id="3" name="TextBox 2">
             <a:extLst>
               <a:ext uri="{FF2B5EF4-FFF2-40B4-BE49-F238E27FC236}">
-                <a16:creationId xmlns:a16="http://schemas.microsoft.com/office/drawing/2014/main" xmlns="" id="{5F5B12F8-1A1F-468F-9B71-C22CCF2E9E87}"/>
+                <a16:creationId xmlns:a16="http://schemas.microsoft.com/office/drawing/2014/main" id="{5F5B12F8-1A1F-468F-9B71-C22CCF2E9E87}"/>
               </a:ext>
             </a:extLst>
           </p:cNvPr>
@@ -6648,7 +8059,7 @@
           <p:cNvPr id="4" name="Picture 3">
             <a:extLst>
               <a:ext uri="{FF2B5EF4-FFF2-40B4-BE49-F238E27FC236}">
-                <a16:creationId xmlns:a16="http://schemas.microsoft.com/office/drawing/2014/main" xmlns="" id="{6A003B96-B59E-487F-A725-42175718BBE5}"/>
+                <a16:creationId xmlns:a16="http://schemas.microsoft.com/office/drawing/2014/main" id="{6A003B96-B59E-487F-A725-42175718BBE5}"/>
               </a:ext>
             </a:extLst>
           </p:cNvPr>
@@ -6708,7 +8119,7 @@
           <p:cNvPr id="2" name="Title 1">
             <a:extLst>
               <a:ext uri="{FF2B5EF4-FFF2-40B4-BE49-F238E27FC236}">
-                <a16:creationId xmlns:a16="http://schemas.microsoft.com/office/drawing/2014/main" xmlns="" id="{DB352044-8255-4AE4-A705-BD36E4FFAB74}"/>
+                <a16:creationId xmlns:a16="http://schemas.microsoft.com/office/drawing/2014/main" id="{DB352044-8255-4AE4-A705-BD36E4FFAB74}"/>
               </a:ext>
             </a:extLst>
           </p:cNvPr>
@@ -6760,7 +8171,7 @@
           <p:cNvPr id="4" name="TextBox 3">
             <a:extLst>
               <a:ext uri="{FF2B5EF4-FFF2-40B4-BE49-F238E27FC236}">
-                <a16:creationId xmlns:a16="http://schemas.microsoft.com/office/drawing/2014/main" xmlns="" id="{D2AB4C1E-A148-4628-B0A4-7A6291BA54C3}"/>
+                <a16:creationId xmlns:a16="http://schemas.microsoft.com/office/drawing/2014/main" id="{D2AB4C1E-A148-4628-B0A4-7A6291BA54C3}"/>
               </a:ext>
             </a:extLst>
           </p:cNvPr>
@@ -6829,7 +8240,7 @@
           <p:cNvPr id="5" name="TextBox 4">
             <a:extLst>
               <a:ext uri="{FF2B5EF4-FFF2-40B4-BE49-F238E27FC236}">
-                <a16:creationId xmlns:a16="http://schemas.microsoft.com/office/drawing/2014/main" xmlns="" id="{D7A7E001-C255-4F2C-BD1B-30F35F37BC71}"/>
+                <a16:creationId xmlns:a16="http://schemas.microsoft.com/office/drawing/2014/main" id="{D7A7E001-C255-4F2C-BD1B-30F35F37BC71}"/>
               </a:ext>
             </a:extLst>
           </p:cNvPr>
@@ -6926,7 +8337,7 @@
           <p:cNvPr id="2" name="TextBox 1">
             <a:extLst>
               <a:ext uri="{FF2B5EF4-FFF2-40B4-BE49-F238E27FC236}">
-                <a16:creationId xmlns:a16="http://schemas.microsoft.com/office/drawing/2014/main" xmlns="" id="{1A46152D-9597-4B0B-A409-704253983973}"/>
+                <a16:creationId xmlns:a16="http://schemas.microsoft.com/office/drawing/2014/main" id="{1A46152D-9597-4B0B-A409-704253983973}"/>
               </a:ext>
             </a:extLst>
           </p:cNvPr>
@@ -6984,7 +8395,7 @@
           <p:cNvPr id="3" name="Picture 2">
             <a:extLst>
               <a:ext uri="{FF2B5EF4-FFF2-40B4-BE49-F238E27FC236}">
-                <a16:creationId xmlns:a16="http://schemas.microsoft.com/office/drawing/2014/main" xmlns="" id="{36BD6F98-D382-49FD-98E5-E9A24FEDFE03}"/>
+                <a16:creationId xmlns:a16="http://schemas.microsoft.com/office/drawing/2014/main" id="{36BD6F98-D382-49FD-98E5-E9A24FEDFE03}"/>
               </a:ext>
             </a:extLst>
           </p:cNvPr>
@@ -7044,7 +8455,7 @@
           <p:cNvPr id="2" name="Title 1">
             <a:extLst>
               <a:ext uri="{FF2B5EF4-FFF2-40B4-BE49-F238E27FC236}">
-                <a16:creationId xmlns:a16="http://schemas.microsoft.com/office/drawing/2014/main" xmlns="" id="{B420F08A-C5FC-4B7D-8556-E89D76081153}"/>
+                <a16:creationId xmlns:a16="http://schemas.microsoft.com/office/drawing/2014/main" id="{B420F08A-C5FC-4B7D-8556-E89D76081153}"/>
               </a:ext>
             </a:extLst>
           </p:cNvPr>
@@ -7094,7 +8505,7 @@
           <p:cNvPr id="4" name="TextBox 3">
             <a:extLst>
               <a:ext uri="{FF2B5EF4-FFF2-40B4-BE49-F238E27FC236}">
-                <a16:creationId xmlns:a16="http://schemas.microsoft.com/office/drawing/2014/main" xmlns="" id="{27BC1B16-E235-4CD8-B017-4D5A6EBEF35A}"/>
+                <a16:creationId xmlns:a16="http://schemas.microsoft.com/office/drawing/2014/main" id="{27BC1B16-E235-4CD8-B017-4D5A6EBEF35A}"/>
               </a:ext>
             </a:extLst>
           </p:cNvPr>
@@ -7173,7 +8584,7 @@
           <p:cNvPr id="5" name="TextBox 4">
             <a:extLst>
               <a:ext uri="{FF2B5EF4-FFF2-40B4-BE49-F238E27FC236}">
-                <a16:creationId xmlns:a16="http://schemas.microsoft.com/office/drawing/2014/main" xmlns="" id="{FDAAF264-2086-4383-9AD9-206528F57245}"/>
+                <a16:creationId xmlns:a16="http://schemas.microsoft.com/office/drawing/2014/main" id="{FDAAF264-2086-4383-9AD9-206528F57245}"/>
               </a:ext>
             </a:extLst>
           </p:cNvPr>
@@ -7299,7 +8710,7 @@
           <a:p>
             <a:pPr algn="l"/>
             <a:r>
-              <a:rPr lang="en-GB" sz="2400" b="1" dirty="0" smtClean="0">
+              <a:rPr lang="en-GB" sz="2400" b="1" dirty="0">
                 <a:solidFill>
                   <a:schemeClr val="accent1">
                     <a:lumMod val="75000"/>
@@ -7311,7 +8722,7 @@
               <a:t>3.3.tools:</a:t>
             </a:r>
             <a:r>
-              <a:rPr lang="en-GB" sz="2400" dirty="0" smtClean="0">
+              <a:rPr lang="en-GB" sz="2400" dirty="0">
                 <a:solidFill>
                   <a:schemeClr val="accent1">
                     <a:lumMod val="75000"/>
@@ -7353,37 +8764,37 @@
           <a:bodyPr/>
           <a:lstStyle/>
           <a:p>
-            <a:endParaRPr lang="fr-FR" dirty="0" smtClean="0"/>
-          </a:p>
-          <a:p>
             <a:endParaRPr lang="fr-FR" dirty="0"/>
           </a:p>
           <a:p>
-            <a:endParaRPr lang="fr-FR" dirty="0" smtClean="0"/>
-          </a:p>
-          <a:p>
             <a:endParaRPr lang="fr-FR" dirty="0"/>
           </a:p>
           <a:p>
-            <a:endParaRPr lang="fr-FR" dirty="0" smtClean="0"/>
-          </a:p>
-          <a:p>
             <a:endParaRPr lang="fr-FR" dirty="0"/>
           </a:p>
           <a:p>
-            <a:endParaRPr lang="fr-FR" dirty="0" smtClean="0"/>
-          </a:p>
-          <a:p>
             <a:endParaRPr lang="fr-FR" dirty="0"/>
           </a:p>
           <a:p>
-            <a:endParaRPr lang="fr-FR" dirty="0" smtClean="0"/>
-          </a:p>
-          <a:p>
             <a:endParaRPr lang="fr-FR" dirty="0"/>
           </a:p>
           <a:p>
-            <a:endParaRPr lang="fr-FR" dirty="0" smtClean="0"/>
+            <a:endParaRPr lang="fr-FR" dirty="0"/>
+          </a:p>
+          <a:p>
+            <a:endParaRPr lang="fr-FR" dirty="0"/>
+          </a:p>
+          <a:p>
+            <a:endParaRPr lang="fr-FR" dirty="0"/>
+          </a:p>
+          <a:p>
+            <a:endParaRPr lang="fr-FR" dirty="0"/>
+          </a:p>
+          <a:p>
+            <a:endParaRPr lang="fr-FR" dirty="0"/>
+          </a:p>
+          <a:p>
+            <a:endParaRPr lang="fr-FR" dirty="0"/>
           </a:p>
           <a:p>
             <a:endParaRPr lang="fr-FR" dirty="0"/>
@@ -7415,8 +8826,20 @@
                 <a:tableStyleId>{5C22544A-7EE6-4342-B048-85BDC9FD1C3A}</a:tableStyleId>
               </a:tblPr>
               <a:tblGrid>
-                <a:gridCol w="2506120"/>
-                <a:gridCol w="5959454"/>
+                <a:gridCol w="2506120">
+                  <a:extLst>
+                    <a:ext uri="{9D8B030D-6E8A-4147-A177-3AD203B41FA5}">
+                      <a16:colId xmlns:a16="http://schemas.microsoft.com/office/drawing/2014/main" val="20000"/>
+                    </a:ext>
+                  </a:extLst>
+                </a:gridCol>
+                <a:gridCol w="5959454">
+                  <a:extLst>
+                    <a:ext uri="{9D8B030D-6E8A-4147-A177-3AD203B41FA5}">
+                      <a16:colId xmlns:a16="http://schemas.microsoft.com/office/drawing/2014/main" val="20001"/>
+                    </a:ext>
+                  </a:extLst>
+                </a:gridCol>
               </a:tblGrid>
               <a:tr h="562514">
                 <a:tc>
@@ -7425,7 +8848,7 @@
                     <a:lstStyle/>
                     <a:p>
                       <a:r>
-                        <a:rPr lang="fr-FR" sz="2000" b="1" dirty="0" err="1" smtClean="0">
+                        <a:rPr lang="fr-FR" sz="2000" b="1" dirty="0" err="1">
                           <a:latin typeface="Arial Narrow" panose="020B0606020202030204" pitchFamily="34" charset="0"/>
                         </a:rPr>
                         <a:t>Tool</a:t>
@@ -7443,18 +8866,20 @@
                     <a:lstStyle/>
                     <a:p>
                       <a:r>
-                        <a:rPr lang="fr-FR" sz="2000" b="1" dirty="0" smtClean="0">
+                        <a:rPr lang="fr-FR" sz="2000" b="1" dirty="0">
                           <a:latin typeface="Arial Narrow" panose="020B0606020202030204" pitchFamily="34" charset="0"/>
                         </a:rPr>
                         <a:t>Description</a:t>
                       </a:r>
-                      <a:endParaRPr lang="fr-FR" sz="2000" b="1" dirty="0">
-                        <a:latin typeface="Arial Narrow" panose="020B0606020202030204" pitchFamily="34" charset="0"/>
-                      </a:endParaRPr>
                     </a:p>
                   </a:txBody>
                   <a:tcPr/>
                 </a:tc>
+                <a:extLst>
+                  <a:ext uri="{0D108BD9-81ED-4DB2-BD59-A6C34878D82A}">
+                    <a16:rowId xmlns:a16="http://schemas.microsoft.com/office/drawing/2014/main" val="10000"/>
+                  </a:ext>
+                </a:extLst>
               </a:tr>
               <a:tr h="562514">
                 <a:tc>
@@ -7463,14 +8888,14 @@
                     <a:lstStyle/>
                     <a:p>
                       <a:r>
-                        <a:rPr lang="fr-FR" sz="2000" b="1" dirty="0" smtClean="0">
+                        <a:rPr lang="fr-FR" sz="2000" b="1" dirty="0">
                           <a:latin typeface="Arial Narrow" panose="020B0606020202030204" pitchFamily="34" charset="0"/>
                           <a:cs typeface="Arial" panose="020B0604020202020204" pitchFamily="34" charset="0"/>
                         </a:rPr>
                         <a:t>Microsoft</a:t>
                       </a:r>
                       <a:r>
-                        <a:rPr lang="fr-FR" sz="2000" b="1" baseline="0" dirty="0" smtClean="0">
+                        <a:rPr lang="fr-FR" sz="2000" b="1" baseline="0" dirty="0">
                           <a:latin typeface="Arial Narrow" panose="020B0606020202030204" pitchFamily="34" charset="0"/>
                           <a:cs typeface="Arial" panose="020B0604020202020204" pitchFamily="34" charset="0"/>
                         </a:rPr>
@@ -7490,55 +8915,55 @@
                     <a:lstStyle/>
                     <a:p>
                       <a:r>
-                        <a:rPr lang="fr-FR" sz="2000" b="1" dirty="0" smtClean="0">
+                        <a:rPr lang="fr-FR" sz="2000" b="1" dirty="0">
                           <a:latin typeface="Arial Narrow" panose="020B0606020202030204" pitchFamily="34" charset="0"/>
                         </a:rPr>
                         <a:t>Word</a:t>
                       </a:r>
                       <a:r>
-                        <a:rPr lang="fr-FR" sz="2000" b="1" baseline="0" dirty="0" smtClean="0">
+                        <a:rPr lang="fr-FR" sz="2000" b="1" baseline="0" dirty="0">
                           <a:latin typeface="Arial Narrow" panose="020B0606020202030204" pitchFamily="34" charset="0"/>
                         </a:rPr>
                         <a:t> </a:t>
                       </a:r>
                       <a:r>
-                        <a:rPr lang="fr-FR" sz="2000" b="1" baseline="0" dirty="0" err="1" smtClean="0">
+                        <a:rPr lang="fr-FR" sz="2000" b="1" baseline="0" dirty="0" err="1">
                           <a:latin typeface="Arial Narrow" panose="020B0606020202030204" pitchFamily="34" charset="0"/>
                         </a:rPr>
                         <a:t>processing</a:t>
                       </a:r>
                       <a:r>
-                        <a:rPr lang="fr-FR" sz="2000" b="1" baseline="0" dirty="0" smtClean="0">
+                        <a:rPr lang="fr-FR" sz="2000" b="1" baseline="0" dirty="0">
                           <a:latin typeface="Arial Narrow" panose="020B0606020202030204" pitchFamily="34" charset="0"/>
                         </a:rPr>
                         <a:t> software for </a:t>
                       </a:r>
                       <a:r>
-                        <a:rPr lang="fr-FR" sz="2000" b="1" baseline="0" dirty="0" err="1" smtClean="0">
+                        <a:rPr lang="fr-FR" sz="2000" b="1" baseline="0" dirty="0" err="1">
                           <a:latin typeface="Arial Narrow" panose="020B0606020202030204" pitchFamily="34" charset="0"/>
                         </a:rPr>
                         <a:t>creating</a:t>
                       </a:r>
                       <a:r>
-                        <a:rPr lang="fr-FR" sz="2000" b="1" baseline="0" dirty="0" smtClean="0">
+                        <a:rPr lang="fr-FR" sz="2000" b="1" baseline="0" dirty="0">
                           <a:latin typeface="Arial Narrow" panose="020B0606020202030204" pitchFamily="34" charset="0"/>
                         </a:rPr>
                         <a:t> and </a:t>
                       </a:r>
                       <a:r>
-                        <a:rPr lang="fr-FR" sz="2000" b="1" baseline="0" dirty="0" err="1" smtClean="0">
+                        <a:rPr lang="fr-FR" sz="2000" b="1" baseline="0" dirty="0" err="1">
                           <a:latin typeface="Arial Narrow" panose="020B0606020202030204" pitchFamily="34" charset="0"/>
                         </a:rPr>
                         <a:t>editing</a:t>
                       </a:r>
                       <a:r>
-                        <a:rPr lang="fr-FR" sz="2000" b="1" baseline="0" dirty="0" smtClean="0">
+                        <a:rPr lang="fr-FR" sz="2000" b="1" baseline="0" dirty="0">
                           <a:latin typeface="Arial Narrow" panose="020B0606020202030204" pitchFamily="34" charset="0"/>
                         </a:rPr>
                         <a:t>  documents</a:t>
                       </a:r>
                       <a:r>
-                        <a:rPr lang="en-US" sz="2000" b="1" dirty="0" smtClean="0">
+                        <a:rPr lang="en-US" sz="2000" b="1" dirty="0">
                           <a:latin typeface="Arial Narrow" panose="020B0606020202030204" pitchFamily="34" charset="0"/>
                         </a:rPr>
                         <a:t>. </a:t>
@@ -7550,6 +8975,11 @@
                   </a:txBody>
                   <a:tcPr/>
                 </a:tc>
+                <a:extLst>
+                  <a:ext uri="{0D108BD9-81ED-4DB2-BD59-A6C34878D82A}">
+                    <a16:rowId xmlns:a16="http://schemas.microsoft.com/office/drawing/2014/main" val="10001"/>
+                  </a:ext>
+                </a:extLst>
               </a:tr>
               <a:tr h="613082">
                 <a:tc>
@@ -7558,16 +8988,12 @@
                     <a:lstStyle/>
                     <a:p>
                       <a:r>
-                        <a:rPr lang="fr-FR" sz="2000" b="1" dirty="0" smtClean="0">
+                        <a:rPr lang="fr-FR" sz="2000" b="1" dirty="0">
                           <a:latin typeface="Arial Narrow" panose="020B0606020202030204" pitchFamily="34" charset="0"/>
                           <a:cs typeface="Arial" panose="020B0604020202020204" pitchFamily="34" charset="0"/>
                         </a:rPr>
                         <a:t>Microsoft Excel</a:t>
                       </a:r>
-                      <a:endParaRPr lang="fr-FR" sz="2000" b="1" dirty="0">
-                        <a:latin typeface="Arial Narrow" panose="020B0606020202030204" pitchFamily="34" charset="0"/>
-                        <a:cs typeface="Arial" panose="020B0604020202020204" pitchFamily="34" charset="0"/>
-                      </a:endParaRPr>
                     </a:p>
                   </a:txBody>
                   <a:tcPr/>
@@ -7578,43 +9004,43 @@
                     <a:lstStyle/>
                     <a:p>
                       <a:r>
-                        <a:rPr lang="fr-FR" sz="2000" b="1" dirty="0" err="1" smtClean="0">
+                        <a:rPr lang="fr-FR" sz="2000" b="1" dirty="0" err="1">
                           <a:latin typeface="Arial Narrow" panose="020B0606020202030204" pitchFamily="34" charset="0"/>
                         </a:rPr>
                         <a:t>Spreadsheet</a:t>
                       </a:r>
                       <a:r>
-                        <a:rPr lang="fr-FR" sz="2000" b="1" baseline="0" dirty="0" smtClean="0">
+                        <a:rPr lang="fr-FR" sz="2000" b="1" baseline="0" dirty="0">
                           <a:latin typeface="Arial Narrow" panose="020B0606020202030204" pitchFamily="34" charset="0"/>
                         </a:rPr>
                         <a:t> software for </a:t>
                       </a:r>
                       <a:r>
-                        <a:rPr lang="fr-FR" sz="2000" b="1" baseline="0" dirty="0" err="1" smtClean="0">
+                        <a:rPr lang="fr-FR" sz="2000" b="1" baseline="0" dirty="0" err="1">
                           <a:latin typeface="Arial Narrow" panose="020B0606020202030204" pitchFamily="34" charset="0"/>
                         </a:rPr>
                         <a:t>organizing</a:t>
                       </a:r>
                       <a:r>
-                        <a:rPr lang="fr-FR" sz="2000" b="1" baseline="0" dirty="0" smtClean="0">
+                        <a:rPr lang="fr-FR" sz="2000" b="1" baseline="0" dirty="0">
                           <a:latin typeface="Arial Narrow" panose="020B0606020202030204" pitchFamily="34" charset="0"/>
                         </a:rPr>
                         <a:t> and </a:t>
                       </a:r>
                       <a:r>
-                        <a:rPr lang="fr-FR" sz="2000" b="1" baseline="0" dirty="0" err="1" smtClean="0">
+                        <a:rPr lang="fr-FR" sz="2000" b="1" baseline="0" dirty="0" err="1">
                           <a:latin typeface="Arial Narrow" panose="020B0606020202030204" pitchFamily="34" charset="0"/>
                         </a:rPr>
                         <a:t>analyzing</a:t>
                       </a:r>
                       <a:r>
-                        <a:rPr lang="fr-FR" sz="2000" b="1" baseline="0" dirty="0" smtClean="0">
+                        <a:rPr lang="fr-FR" sz="2000" b="1" baseline="0" dirty="0">
                           <a:latin typeface="Arial Narrow" panose="020B0606020202030204" pitchFamily="34" charset="0"/>
                         </a:rPr>
                         <a:t> data</a:t>
                       </a:r>
                       <a:r>
-                        <a:rPr lang="en-US" sz="2000" b="1" dirty="0" smtClean="0">
+                        <a:rPr lang="en-US" sz="2000" b="1" dirty="0">
                           <a:latin typeface="Arial Narrow" panose="020B0606020202030204" pitchFamily="34" charset="0"/>
                         </a:rPr>
                         <a:t>. </a:t>
@@ -7626,6 +9052,11 @@
                   </a:txBody>
                   <a:tcPr/>
                 </a:tc>
+                <a:extLst>
+                  <a:ext uri="{0D108BD9-81ED-4DB2-BD59-A6C34878D82A}">
+                    <a16:rowId xmlns:a16="http://schemas.microsoft.com/office/drawing/2014/main" val="10002"/>
+                  </a:ext>
+                </a:extLst>
               </a:tr>
               <a:tr h="736786">
                 <a:tc>
@@ -7634,16 +9065,12 @@
                     <a:lstStyle/>
                     <a:p>
                       <a:r>
-                        <a:rPr lang="fr-FR" sz="2000" b="1" dirty="0" smtClean="0">
+                        <a:rPr lang="fr-FR" sz="2000" b="1" dirty="0">
                           <a:latin typeface="Arial Narrow" panose="020B0606020202030204" pitchFamily="34" charset="0"/>
                           <a:cs typeface="Arial" panose="020B0604020202020204" pitchFamily="34" charset="0"/>
                         </a:rPr>
                         <a:t>Microsoft PowerPoint</a:t>
                       </a:r>
-                      <a:endParaRPr lang="fr-FR" sz="2000" b="1" dirty="0">
-                        <a:latin typeface="Arial Narrow" panose="020B0606020202030204" pitchFamily="34" charset="0"/>
-                        <a:cs typeface="Arial" panose="020B0604020202020204" pitchFamily="34" charset="0"/>
-                      </a:endParaRPr>
                     </a:p>
                   </a:txBody>
                   <a:tcPr/>
@@ -7654,61 +9081,61 @@
                     <a:lstStyle/>
                     <a:p>
                       <a:r>
-                        <a:rPr lang="fr-FR" sz="2000" b="1" dirty="0" err="1" smtClean="0">
+                        <a:rPr lang="fr-FR" sz="2000" b="1" dirty="0" err="1">
                           <a:latin typeface="Arial Narrow" panose="020B0606020202030204" pitchFamily="34" charset="0"/>
                         </a:rPr>
                         <a:t>Presentation</a:t>
                       </a:r>
                       <a:r>
-                        <a:rPr lang="fr-FR" sz="2000" b="1" dirty="0" smtClean="0">
+                        <a:rPr lang="fr-FR" sz="2000" b="1" dirty="0">
                           <a:latin typeface="Arial Narrow" panose="020B0606020202030204" pitchFamily="34" charset="0"/>
                         </a:rPr>
                         <a:t> software for </a:t>
                       </a:r>
                       <a:r>
-                        <a:rPr lang="fr-FR" sz="2000" b="1" dirty="0" err="1" smtClean="0">
+                        <a:rPr lang="fr-FR" sz="2000" b="1" dirty="0" err="1">
                           <a:latin typeface="Arial Narrow" panose="020B0606020202030204" pitchFamily="34" charset="0"/>
                         </a:rPr>
                         <a:t>creating</a:t>
                       </a:r>
                       <a:r>
-                        <a:rPr lang="fr-FR" sz="2000" b="1" baseline="0" dirty="0" smtClean="0">
+                        <a:rPr lang="fr-FR" sz="2000" b="1" baseline="0" dirty="0">
                           <a:latin typeface="Arial Narrow" panose="020B0606020202030204" pitchFamily="34" charset="0"/>
                         </a:rPr>
                         <a:t> </a:t>
                       </a:r>
                       <a:r>
-                        <a:rPr lang="fr-FR" sz="2000" b="1" baseline="0" dirty="0" err="1" smtClean="0">
+                        <a:rPr lang="fr-FR" sz="2000" b="1" baseline="0" dirty="0" err="1">
                           <a:latin typeface="Arial Narrow" panose="020B0606020202030204" pitchFamily="34" charset="0"/>
                         </a:rPr>
                         <a:t>visually</a:t>
                       </a:r>
                       <a:r>
-                        <a:rPr lang="fr-FR" sz="2000" b="1" baseline="0" dirty="0" smtClean="0">
+                        <a:rPr lang="fr-FR" sz="2000" b="1" baseline="0" dirty="0">
                           <a:latin typeface="Arial Narrow" panose="020B0606020202030204" pitchFamily="34" charset="0"/>
                         </a:rPr>
                         <a:t> </a:t>
                       </a:r>
                       <a:r>
-                        <a:rPr lang="fr-FR" sz="2000" b="1" baseline="0" dirty="0" err="1" smtClean="0">
+                        <a:rPr lang="fr-FR" sz="2000" b="1" baseline="0" dirty="0" err="1">
                           <a:latin typeface="Arial Narrow" panose="020B0606020202030204" pitchFamily="34" charset="0"/>
                         </a:rPr>
                         <a:t>engaging</a:t>
                       </a:r>
                       <a:r>
-                        <a:rPr lang="fr-FR" sz="2000" b="1" baseline="0" dirty="0" smtClean="0">
+                        <a:rPr lang="fr-FR" sz="2000" b="1" baseline="0" dirty="0">
                           <a:latin typeface="Arial Narrow" panose="020B0606020202030204" pitchFamily="34" charset="0"/>
                         </a:rPr>
                         <a:t> </a:t>
                       </a:r>
                       <a:r>
-                        <a:rPr lang="fr-FR" sz="2000" b="1" baseline="0" dirty="0" err="1" smtClean="0">
+                        <a:rPr lang="fr-FR" sz="2000" b="1" baseline="0" dirty="0" err="1">
                           <a:latin typeface="Arial Narrow" panose="020B0606020202030204" pitchFamily="34" charset="0"/>
                         </a:rPr>
                         <a:t>slideshows</a:t>
                       </a:r>
                       <a:r>
-                        <a:rPr lang="en-US" sz="2000" b="1" dirty="0" smtClean="0">
+                        <a:rPr lang="en-US" sz="2000" b="1" dirty="0">
                           <a:latin typeface="Arial Narrow" panose="020B0606020202030204" pitchFamily="34" charset="0"/>
                         </a:rPr>
                         <a:t>. </a:t>
@@ -7720,6 +9147,11 @@
                   </a:txBody>
                   <a:tcPr/>
                 </a:tc>
+                <a:extLst>
+                  <a:ext uri="{0D108BD9-81ED-4DB2-BD59-A6C34878D82A}">
+                    <a16:rowId xmlns:a16="http://schemas.microsoft.com/office/drawing/2014/main" val="10003"/>
+                  </a:ext>
+                </a:extLst>
               </a:tr>
               <a:tr h="760393">
                 <a:tc>
@@ -7728,16 +9160,12 @@
                     <a:lstStyle/>
                     <a:p>
                       <a:r>
-                        <a:rPr lang="fr-FR" sz="2000" b="1" dirty="0" smtClean="0">
+                        <a:rPr lang="fr-FR" sz="2000" b="1" dirty="0">
                           <a:latin typeface="Arial Narrow" panose="020B0606020202030204" pitchFamily="34" charset="0"/>
                           <a:cs typeface="Arial" panose="020B0604020202020204" pitchFamily="34" charset="0"/>
                         </a:rPr>
                         <a:t>Microsoft Teams</a:t>
                       </a:r>
-                      <a:endParaRPr lang="fr-FR" sz="2000" b="1" dirty="0">
-                        <a:latin typeface="Arial Narrow" panose="020B0606020202030204" pitchFamily="34" charset="0"/>
-                        <a:cs typeface="Arial" panose="020B0604020202020204" pitchFamily="34" charset="0"/>
-                      </a:endParaRPr>
                     </a:p>
                   </a:txBody>
                   <a:tcPr/>
@@ -7748,49 +9176,49 @@
                     <a:lstStyle/>
                     <a:p>
                       <a:r>
-                        <a:rPr lang="fr-FR" sz="2000" b="1" dirty="0" smtClean="0">
+                        <a:rPr lang="fr-FR" sz="2000" b="1" dirty="0">
                           <a:latin typeface="Arial Narrow" panose="020B0606020202030204" pitchFamily="34" charset="0"/>
                         </a:rPr>
                         <a:t>Collaboration </a:t>
                       </a:r>
                       <a:r>
-                        <a:rPr lang="fr-FR" sz="2000" b="1" dirty="0" err="1" smtClean="0">
+                        <a:rPr lang="fr-FR" sz="2000" b="1" dirty="0" err="1">
                           <a:latin typeface="Arial Narrow" panose="020B0606020202030204" pitchFamily="34" charset="0"/>
                         </a:rPr>
                         <a:t>platform</a:t>
                       </a:r>
                       <a:r>
-                        <a:rPr lang="fr-FR" sz="2000" b="1" dirty="0" smtClean="0">
+                        <a:rPr lang="fr-FR" sz="2000" b="1" dirty="0">
                           <a:latin typeface="Arial Narrow" panose="020B0606020202030204" pitchFamily="34" charset="0"/>
                         </a:rPr>
                         <a:t> for </a:t>
                       </a:r>
                       <a:r>
-                        <a:rPr lang="fr-FR" sz="2000" b="1" dirty="0" err="1" smtClean="0">
+                        <a:rPr lang="fr-FR" sz="2000" b="1" dirty="0" err="1">
                           <a:latin typeface="Arial Narrow" panose="020B0606020202030204" pitchFamily="34" charset="0"/>
                         </a:rPr>
                         <a:t>chat,video</a:t>
                       </a:r>
                       <a:r>
-                        <a:rPr lang="fr-FR" sz="2000" b="1" dirty="0" smtClean="0">
+                        <a:rPr lang="fr-FR" sz="2000" b="1" dirty="0">
                           <a:latin typeface="Arial Narrow" panose="020B0606020202030204" pitchFamily="34" charset="0"/>
                         </a:rPr>
                         <a:t> and </a:t>
                       </a:r>
                       <a:r>
-                        <a:rPr lang="fr-FR" sz="2000" b="1" dirty="0" err="1" smtClean="0">
+                        <a:rPr lang="fr-FR" sz="2000" b="1" dirty="0" err="1">
                           <a:latin typeface="Arial Narrow" panose="020B0606020202030204" pitchFamily="34" charset="0"/>
                         </a:rPr>
                         <a:t>meeting,and</a:t>
                       </a:r>
                       <a:r>
-                        <a:rPr lang="fr-FR" sz="2000" b="1" baseline="0" dirty="0" smtClean="0">
+                        <a:rPr lang="fr-FR" sz="2000" b="1" baseline="0" dirty="0">
                           <a:latin typeface="Arial Narrow" panose="020B0606020202030204" pitchFamily="34" charset="0"/>
                         </a:rPr>
                         <a:t> file sharing</a:t>
                       </a:r>
                       <a:r>
-                        <a:rPr lang="en-US" sz="2000" b="1" dirty="0" smtClean="0">
+                        <a:rPr lang="en-US" sz="2000" b="1" dirty="0">
                           <a:latin typeface="Arial Narrow" panose="020B0606020202030204" pitchFamily="34" charset="0"/>
                         </a:rPr>
                         <a:t>. </a:t>
@@ -7802,6 +9230,11 @@
                   </a:txBody>
                   <a:tcPr/>
                 </a:tc>
+                <a:extLst>
+                  <a:ext uri="{0D108BD9-81ED-4DB2-BD59-A6C34878D82A}">
+                    <a16:rowId xmlns:a16="http://schemas.microsoft.com/office/drawing/2014/main" val="10004"/>
+                  </a:ext>
+                </a:extLst>
               </a:tr>
             </a:tbl>
           </a:graphicData>
@@ -7861,7 +9294,7 @@
           <a:p>
             <a:pPr algn="l"/>
             <a:r>
-              <a:rPr lang="en-GB" dirty="0" smtClean="0">
+              <a:rPr lang="en-GB" dirty="0">
                 <a:solidFill>
                   <a:schemeClr val="accent1">
                     <a:lumMod val="50000"/>
@@ -7873,7 +9306,7 @@
               <a:t>4.Git and </a:t>
             </a:r>
             <a:r>
-              <a:rPr lang="en-GB" dirty="0" err="1" smtClean="0">
+              <a:rPr lang="en-GB" dirty="0" err="1">
                 <a:solidFill>
                   <a:schemeClr val="accent1">
                     <a:lumMod val="50000"/>
@@ -7885,7 +9318,7 @@
               <a:t>GitHub</a:t>
             </a:r>
             <a:r>
-              <a:rPr lang="en-GB" dirty="0" smtClean="0">
+              <a:rPr lang="en-GB" dirty="0">
                 <a:solidFill>
                   <a:schemeClr val="accent1">
                     <a:lumMod val="50000"/>
@@ -7897,7 +9330,7 @@
               <a:t>:</a:t>
             </a:r>
             <a:br>
-              <a:rPr lang="en-GB" dirty="0" smtClean="0">
+              <a:rPr lang="en-GB" dirty="0">
                 <a:solidFill>
                   <a:schemeClr val="accent1">
                     <a:lumMod val="50000"/>
@@ -7907,18 +9340,6 @@
                 <a:cs typeface="Calibri Light" panose="020F0302020204030204" pitchFamily="34" charset="0"/>
               </a:rPr>
             </a:br>
-            <a:r>
-              <a:rPr lang="en-GB" dirty="0">
-                <a:solidFill>
-                  <a:schemeClr val="accent1">
-                    <a:lumMod val="50000"/>
-                  </a:schemeClr>
-                </a:solidFill>
-                <a:latin typeface="Bahnschrift" panose="020B0502040204020203" pitchFamily="34" charset="0"/>
-                <a:cs typeface="Calibri Light" panose="020F0302020204030204" pitchFamily="34" charset="0"/>
-              </a:rPr>
-              <a:t/>
-            </a:r>
             <a:br>
               <a:rPr lang="en-GB" dirty="0">
                 <a:solidFill>
@@ -7930,20 +9351,8 @@
                 <a:cs typeface="Calibri Light" panose="020F0302020204030204" pitchFamily="34" charset="0"/>
               </a:rPr>
             </a:br>
-            <a:r>
-              <a:rPr lang="en-GB" dirty="0" smtClean="0">
-                <a:solidFill>
-                  <a:schemeClr val="accent1">
-                    <a:lumMod val="50000"/>
-                  </a:schemeClr>
-                </a:solidFill>
-                <a:latin typeface="Bahnschrift" panose="020B0502040204020203" pitchFamily="34" charset="0"/>
-                <a:cs typeface="Calibri Light" panose="020F0302020204030204" pitchFamily="34" charset="0"/>
-              </a:rPr>
-              <a:t/>
-            </a:r>
             <a:br>
-              <a:rPr lang="en-GB" dirty="0" smtClean="0">
+              <a:rPr lang="en-GB" dirty="0">
                 <a:solidFill>
                   <a:schemeClr val="accent1">
                     <a:lumMod val="50000"/>
@@ -7954,7 +9363,7 @@
               </a:rPr>
             </a:br>
             <a:r>
-              <a:rPr lang="en-GB" dirty="0" smtClean="0">
+              <a:rPr lang="en-GB" dirty="0">
                 <a:solidFill>
                   <a:schemeClr val="accent1">
                     <a:lumMod val="50000"/>
@@ -7966,7 +9375,7 @@
               <a:t> </a:t>
             </a:r>
             <a:r>
-              <a:rPr lang="en-GB" sz="2700" b="1" dirty="0" smtClean="0">
+              <a:rPr lang="en-GB" sz="2700" b="1" dirty="0">
                 <a:solidFill>
                   <a:schemeClr val="accent1">
                     <a:lumMod val="75000"/>
@@ -7976,8 +9385,8 @@
               </a:rPr>
               <a:t>4.1.Git:</a:t>
             </a:r>
-            <a:r>
-              <a:rPr lang="en-GB" sz="2400" b="1" dirty="0" smtClean="0">
+            <a:br>
+              <a:rPr lang="en-GB" sz="2400" b="1" dirty="0">
                 <a:solidFill>
                   <a:schemeClr val="accent1">
                     <a:lumMod val="75000"/>
@@ -7985,10 +9394,9 @@
                 </a:solidFill>
                 <a:latin typeface="Arial Narrow" panose="020B0606020202030204" pitchFamily="34" charset="0"/>
               </a:rPr>
-              <a:t/>
-            </a:r>
+            </a:br>
             <a:br>
-              <a:rPr lang="en-GB" sz="2400" b="1" dirty="0" smtClean="0">
+              <a:rPr lang="en-GB" sz="2400" b="1" dirty="0">
                 <a:solidFill>
                   <a:schemeClr val="accent1">
                     <a:lumMod val="75000"/>
@@ -7998,7 +9406,7 @@
               </a:rPr>
             </a:br>
             <a:r>
-              <a:rPr lang="en-GB" sz="2400" b="1" dirty="0">
+              <a:rPr lang="en-GB" sz="2400" dirty="0">
                 <a:solidFill>
                   <a:schemeClr val="accent1">
                     <a:lumMod val="75000"/>
@@ -8006,71 +9414,44 @@
                 </a:solidFill>
                 <a:latin typeface="Arial Narrow" panose="020B0606020202030204" pitchFamily="34" charset="0"/>
               </a:rPr>
-              <a:t/>
+              <a:t>  </a:t>
+            </a:r>
+            <a:r>
+              <a:rPr lang="en-GB" sz="2700" dirty="0">
+                <a:latin typeface="Arial Narrow" panose="020B0606020202030204" pitchFamily="34" charset="0"/>
+              </a:rPr>
+              <a:t>Git is a distributed version control system that allows </a:t>
+            </a:r>
+            <a:r>
+              <a:rPr lang="en-GB" sz="2700" dirty="0" err="1">
+                <a:latin typeface="Arial Narrow" panose="020B0606020202030204" pitchFamily="34" charset="0"/>
+              </a:rPr>
+              <a:t>devrlopers</a:t>
+            </a:r>
+            <a:r>
+              <a:rPr lang="en-GB" sz="2700" dirty="0">
+                <a:latin typeface="Arial Narrow" panose="020B0606020202030204" pitchFamily="34" charset="0"/>
+              </a:rPr>
+              <a:t> to        </a:t>
             </a:r>
             <a:br>
-              <a:rPr lang="en-GB" sz="2400" b="1" dirty="0">
-                <a:solidFill>
-                  <a:schemeClr val="accent1">
-                    <a:lumMod val="75000"/>
-                  </a:schemeClr>
-                </a:solidFill>
+              <a:rPr lang="en-GB" sz="2700" dirty="0">
                 <a:latin typeface="Arial Narrow" panose="020B0606020202030204" pitchFamily="34" charset="0"/>
               </a:rPr>
             </a:br>
             <a:r>
-              <a:rPr lang="en-GB" sz="2400" dirty="0" smtClean="0">
-                <a:solidFill>
-                  <a:schemeClr val="accent1">
-                    <a:lumMod val="75000"/>
-                  </a:schemeClr>
-                </a:solidFill>
+              <a:rPr lang="en-GB" sz="2700" dirty="0">
                 <a:latin typeface="Arial Narrow" panose="020B0606020202030204" pitchFamily="34" charset="0"/>
               </a:rPr>
-              <a:t>  </a:t>
-            </a:r>
-            <a:r>
-              <a:rPr lang="en-GB" sz="2700" dirty="0" smtClean="0">
-                <a:latin typeface="Arial Narrow" panose="020B0606020202030204" pitchFamily="34" charset="0"/>
-              </a:rPr>
-              <a:t>Git is a distributed version control system that allows </a:t>
-            </a:r>
-            <a:r>
-              <a:rPr lang="en-GB" sz="2700" dirty="0" err="1" smtClean="0">
-                <a:latin typeface="Arial Narrow" panose="020B0606020202030204" pitchFamily="34" charset="0"/>
-              </a:rPr>
-              <a:t>devrlopers</a:t>
-            </a:r>
-            <a:r>
-              <a:rPr lang="en-GB" sz="2700" dirty="0" smtClean="0">
-                <a:latin typeface="Arial Narrow" panose="020B0606020202030204" pitchFamily="34" charset="0"/>
-              </a:rPr>
-              <a:t> to        </a:t>
+              <a:t>track changes and collaborate on software development projects Its decentralized nature and branching capabilities make it an essential tool for version control</a:t>
             </a:r>
             <a:br>
-              <a:rPr lang="en-GB" sz="2700" dirty="0" smtClean="0">
+              <a:rPr lang="en-GB" sz="2700" dirty="0">
                 <a:latin typeface="Arial Narrow" panose="020B0606020202030204" pitchFamily="34" charset="0"/>
               </a:rPr>
             </a:br>
-            <a:r>
-              <a:rPr lang="en-GB" sz="2700" dirty="0" smtClean="0">
-                <a:latin typeface="Arial Narrow" panose="020B0606020202030204" pitchFamily="34" charset="0"/>
-              </a:rPr>
-              <a:t>track changes and collaborate on software development projects Its decentralized nature and branching capabilities make it an essential tool for version control</a:t>
-            </a:r>
             <a:br>
-              <a:rPr lang="en-GB" sz="2700" dirty="0" smtClean="0">
-                <a:latin typeface="Arial Narrow" panose="020B0606020202030204" pitchFamily="34" charset="0"/>
-              </a:rPr>
-            </a:br>
-            <a:r>
-              <a:rPr lang="en-GB" sz="2700" dirty="0" smtClean="0">
-                <a:latin typeface="Arial Narrow" panose="020B0606020202030204" pitchFamily="34" charset="0"/>
-              </a:rPr>
-              <a:t/>
-            </a:r>
-            <a:br>
-              <a:rPr lang="en-GB" sz="2700" dirty="0" smtClean="0">
+              <a:rPr lang="en-GB" sz="2700" dirty="0">
                 <a:latin typeface="Arial Narrow" panose="020B0606020202030204" pitchFamily="34" charset="0"/>
               </a:rPr>
             </a:br>
@@ -8131,8 +9512,8 @@
           <a:lstStyle/>
           <a:p>
             <a:pPr algn="l"/>
-            <a:r>
-              <a:rPr lang="en-GB" sz="2400" b="1" dirty="0" smtClean="0">
+            <a:br>
+              <a:rPr lang="en-GB" sz="2400" b="1" dirty="0">
                 <a:solidFill>
                   <a:schemeClr val="accent1">
                     <a:lumMod val="75000"/>
@@ -8140,10 +9521,9 @@
                 </a:solidFill>
                 <a:latin typeface="Arial Narrow" panose="020B0606020202030204" pitchFamily="34" charset="0"/>
               </a:rPr>
-              <a:t/>
-            </a:r>
+            </a:br>
             <a:br>
-              <a:rPr lang="en-GB" sz="2400" b="1" dirty="0" smtClean="0">
+              <a:rPr lang="en-GB" sz="2400" b="1" dirty="0">
                 <a:solidFill>
                   <a:schemeClr val="accent1">
                     <a:lumMod val="75000"/>
@@ -8153,34 +9533,13 @@
               </a:rPr>
             </a:br>
             <a:r>
-              <a:rPr lang="en-GB" sz="2400" b="1" dirty="0" smtClean="0">
-                <a:solidFill>
-                  <a:schemeClr val="accent1">
-                    <a:lumMod val="75000"/>
-                  </a:schemeClr>
-                </a:solidFill>
-                <a:latin typeface="Arial Narrow" panose="020B0606020202030204" pitchFamily="34" charset="0"/>
-              </a:rPr>
-              <a:t/>
-            </a:r>
-            <a:br>
-              <a:rPr lang="en-GB" sz="2400" b="1" dirty="0" smtClean="0">
-                <a:solidFill>
-                  <a:schemeClr val="accent1">
-                    <a:lumMod val="75000"/>
-                  </a:schemeClr>
-                </a:solidFill>
-                <a:latin typeface="Arial Narrow" panose="020B0606020202030204" pitchFamily="34" charset="0"/>
-              </a:rPr>
-            </a:br>
-            <a:r>
-              <a:rPr lang="en-GB" sz="2400" dirty="0" err="1" smtClean="0">
+              <a:rPr lang="en-GB" sz="2400" dirty="0" err="1">
                 <a:latin typeface="Arial Narrow" panose="020B0606020202030204" pitchFamily="34" charset="0"/>
               </a:rPr>
               <a:t>GitHub</a:t>
             </a:r>
             <a:r>
-              <a:rPr lang="en-GB" sz="2400" dirty="0" smtClean="0">
+              <a:rPr lang="en-GB" sz="2400" dirty="0">
                 <a:latin typeface="Arial Narrow" panose="020B0606020202030204" pitchFamily="34" charset="0"/>
               </a:rPr>
               <a:t> is a web-based hosting service for Git repositories</a:t>
@@ -8192,76 +9551,64 @@
               <a:t> .</a:t>
             </a:r>
             <a:r>
-              <a:rPr lang="en-GB" sz="2400" dirty="0" smtClean="0">
+              <a:rPr lang="en-GB" sz="2400" dirty="0">
                 <a:latin typeface="Arial Narrow" panose="020B0606020202030204" pitchFamily="34" charset="0"/>
               </a:rPr>
               <a:t> Its provides a platform for </a:t>
             </a:r>
             <a:r>
-              <a:rPr lang="en-GB" sz="2400" dirty="0" err="1" smtClean="0">
+              <a:rPr lang="en-GB" sz="2400" dirty="0" err="1">
                 <a:latin typeface="Arial Narrow" panose="020B0606020202030204" pitchFamily="34" charset="0"/>
               </a:rPr>
               <a:t>devlopers</a:t>
             </a:r>
             <a:r>
-              <a:rPr lang="en-GB" sz="2400" dirty="0" smtClean="0">
+              <a:rPr lang="en-GB" sz="2400" dirty="0">
                 <a:latin typeface="Arial Narrow" panose="020B0606020202030204" pitchFamily="34" charset="0"/>
               </a:rPr>
               <a:t> to collaborate, share code, and manage software projects</a:t>
             </a:r>
             <a:r>
-              <a:rPr lang="en-US" sz="2400" dirty="0" smtClean="0">
+              <a:rPr lang="en-US" sz="2400" dirty="0">
+                <a:latin typeface="Arial Narrow" panose="020B0606020202030204" pitchFamily="34" charset="0"/>
+              </a:rPr>
+              <a:t> .</a:t>
+            </a:r>
+            <a:r>
+              <a:rPr lang="en-GB" sz="2400" dirty="0">
                 <a:latin typeface="Arial Narrow" panose="020B0606020202030204" pitchFamily="34" charset="0"/>
               </a:rPr>
               <a:t> </a:t>
+            </a:r>
+            <a:r>
+              <a:rPr lang="en-GB" sz="2400" dirty="0" err="1">
+                <a:latin typeface="Arial Narrow" panose="020B0606020202030204" pitchFamily="34" charset="0"/>
+              </a:rPr>
+              <a:t>GitHub’s</a:t>
+            </a:r>
+            <a:r>
+              <a:rPr lang="en-GB" sz="2400" dirty="0">
+                <a:latin typeface="Arial Narrow" panose="020B0606020202030204" pitchFamily="34" charset="0"/>
+              </a:rPr>
+              <a:t> </a:t>
+            </a:r>
+            <a:r>
+              <a:rPr lang="en-GB" sz="2400" dirty="0" err="1">
+                <a:latin typeface="Arial Narrow" panose="020B0606020202030204" pitchFamily="34" charset="0"/>
+              </a:rPr>
+              <a:t>features,such</a:t>
+            </a:r>
+            <a:r>
+              <a:rPr lang="en-GB" sz="2400" dirty="0">
+                <a:latin typeface="Arial Narrow" panose="020B0606020202030204" pitchFamily="34" charset="0"/>
+              </a:rPr>
+              <a:t> as pull requests and issue tracking, enhance the collaborative development </a:t>
             </a:r>
             <a:r>
               <a:rPr lang="en-US" sz="2400" dirty="0">
                 <a:latin typeface="Arial Narrow" panose="020B0606020202030204" pitchFamily="34" charset="0"/>
               </a:rPr>
               <a:t>.</a:t>
-            </a:r>
-            <a:r>
-              <a:rPr lang="en-GB" sz="2400" dirty="0" smtClean="0">
-                <a:latin typeface="Arial Narrow" panose="020B0606020202030204" pitchFamily="34" charset="0"/>
-              </a:rPr>
-              <a:t> </a:t>
-            </a:r>
-            <a:r>
-              <a:rPr lang="en-GB" sz="2400" dirty="0" err="1" smtClean="0">
-                <a:latin typeface="Arial Narrow" panose="020B0606020202030204" pitchFamily="34" charset="0"/>
-              </a:rPr>
-              <a:t>GitHub’s</a:t>
-            </a:r>
-            <a:r>
-              <a:rPr lang="en-GB" sz="2400" dirty="0" smtClean="0">
-                <a:latin typeface="Arial Narrow" panose="020B0606020202030204" pitchFamily="34" charset="0"/>
-              </a:rPr>
-              <a:t> </a:t>
-            </a:r>
-            <a:r>
-              <a:rPr lang="en-GB" sz="2400" dirty="0" err="1" smtClean="0">
-                <a:latin typeface="Arial Narrow" panose="020B0606020202030204" pitchFamily="34" charset="0"/>
-              </a:rPr>
-              <a:t>features,such</a:t>
-            </a:r>
-            <a:r>
-              <a:rPr lang="en-GB" sz="2400" dirty="0" smtClean="0">
-                <a:latin typeface="Arial Narrow" panose="020B0606020202030204" pitchFamily="34" charset="0"/>
-              </a:rPr>
-              <a:t> as pull requests and issue tracking, enhance the collaborative development </a:t>
-            </a:r>
-            <a:r>
-              <a:rPr lang="en-US" sz="2400" dirty="0" smtClean="0">
-                <a:latin typeface="Arial Narrow" panose="020B0606020202030204" pitchFamily="34" charset="0"/>
-              </a:rPr>
-              <a:t>.</a:t>
-            </a:r>
-            <a:r>
-              <a:rPr lang="fr-FR" sz="2400" dirty="0">
-                <a:latin typeface="Arial Narrow" panose="020B0606020202030204" pitchFamily="34" charset="0"/>
-              </a:rPr>
-              <a:t/>
             </a:r>
             <a:br>
               <a:rPr lang="fr-FR" sz="2400" dirty="0">
